--- a/DroneMap 교육 중간보고서.pptx
+++ b/DroneMap 교육 중간보고서.pptx
@@ -5,40 +5,41 @@
     <p:sldMasterId id="2147483684" r:id="rId1"/>
   </p:sldMasterIdLst>
   <p:notesMasterIdLst>
-    <p:notesMasterId r:id="rId30"/>
+    <p:notesMasterId r:id="rId31"/>
   </p:notesMasterIdLst>
   <p:handoutMasterIdLst>
-    <p:handoutMasterId r:id="rId31"/>
+    <p:handoutMasterId r:id="rId32"/>
   </p:handoutMasterIdLst>
   <p:sldIdLst>
     <p:sldId id="272" r:id="rId2"/>
-    <p:sldId id="273" r:id="rId3"/>
-    <p:sldId id="274" r:id="rId4"/>
-    <p:sldId id="291" r:id="rId5"/>
-    <p:sldId id="281" r:id="rId6"/>
-    <p:sldId id="290" r:id="rId7"/>
-    <p:sldId id="285" r:id="rId8"/>
-    <p:sldId id="275" r:id="rId9"/>
-    <p:sldId id="299" r:id="rId10"/>
-    <p:sldId id="295" r:id="rId11"/>
-    <p:sldId id="287" r:id="rId12"/>
-    <p:sldId id="288" r:id="rId13"/>
-    <p:sldId id="297" r:id="rId14"/>
-    <p:sldId id="296" r:id="rId15"/>
-    <p:sldId id="298" r:id="rId16"/>
-    <p:sldId id="308" r:id="rId17"/>
-    <p:sldId id="309" r:id="rId18"/>
-    <p:sldId id="301" r:id="rId19"/>
-    <p:sldId id="302" r:id="rId20"/>
-    <p:sldId id="303" r:id="rId21"/>
-    <p:sldId id="304" r:id="rId22"/>
-    <p:sldId id="276" r:id="rId23"/>
-    <p:sldId id="306" r:id="rId24"/>
-    <p:sldId id="305" r:id="rId25"/>
-    <p:sldId id="307" r:id="rId26"/>
-    <p:sldId id="292" r:id="rId27"/>
-    <p:sldId id="293" r:id="rId28"/>
-    <p:sldId id="279" r:id="rId29"/>
+    <p:sldId id="310" r:id="rId3"/>
+    <p:sldId id="273" r:id="rId4"/>
+    <p:sldId id="274" r:id="rId5"/>
+    <p:sldId id="291" r:id="rId6"/>
+    <p:sldId id="281" r:id="rId7"/>
+    <p:sldId id="290" r:id="rId8"/>
+    <p:sldId id="285" r:id="rId9"/>
+    <p:sldId id="275" r:id="rId10"/>
+    <p:sldId id="299" r:id="rId11"/>
+    <p:sldId id="295" r:id="rId12"/>
+    <p:sldId id="287" r:id="rId13"/>
+    <p:sldId id="288" r:id="rId14"/>
+    <p:sldId id="297" r:id="rId15"/>
+    <p:sldId id="296" r:id="rId16"/>
+    <p:sldId id="298" r:id="rId17"/>
+    <p:sldId id="308" r:id="rId18"/>
+    <p:sldId id="309" r:id="rId19"/>
+    <p:sldId id="301" r:id="rId20"/>
+    <p:sldId id="302" r:id="rId21"/>
+    <p:sldId id="303" r:id="rId22"/>
+    <p:sldId id="304" r:id="rId23"/>
+    <p:sldId id="276" r:id="rId24"/>
+    <p:sldId id="306" r:id="rId25"/>
+    <p:sldId id="305" r:id="rId26"/>
+    <p:sldId id="307" r:id="rId27"/>
+    <p:sldId id="292" r:id="rId28"/>
+    <p:sldId id="293" r:id="rId29"/>
+    <p:sldId id="279" r:id="rId30"/>
   </p:sldIdLst>
   <p:sldSz cx="12192000" cy="6858000"/>
   <p:notesSz cx="6858000" cy="9144000"/>
@@ -838,7 +839,7 @@
     </p:spTree>
     <p:extLst>
       <p:ext uri="{BB962C8B-B14F-4D97-AF65-F5344CB8AC3E}">
-        <p14:creationId xmlns:p14="http://schemas.microsoft.com/office/powerpoint/2010/main" val="2478959008"/>
+        <p14:creationId xmlns:p14="http://schemas.microsoft.com/office/powerpoint/2010/main" val="2206451929"/>
       </p:ext>
     </p:extLst>
   </p:cSld>
@@ -923,7 +924,7 @@
     </p:spTree>
     <p:extLst>
       <p:ext uri="{BB962C8B-B14F-4D97-AF65-F5344CB8AC3E}">
-        <p14:creationId xmlns:p14="http://schemas.microsoft.com/office/powerpoint/2010/main" val="2298492411"/>
+        <p14:creationId xmlns:p14="http://schemas.microsoft.com/office/powerpoint/2010/main" val="2478959008"/>
       </p:ext>
     </p:extLst>
   </p:cSld>
@@ -1008,7 +1009,7 @@
     </p:spTree>
     <p:extLst>
       <p:ext uri="{BB962C8B-B14F-4D97-AF65-F5344CB8AC3E}">
-        <p14:creationId xmlns:p14="http://schemas.microsoft.com/office/powerpoint/2010/main" val="1052134673"/>
+        <p14:creationId xmlns:p14="http://schemas.microsoft.com/office/powerpoint/2010/main" val="2298492411"/>
       </p:ext>
     </p:extLst>
   </p:cSld>
@@ -1093,7 +1094,7 @@
     </p:spTree>
     <p:extLst>
       <p:ext uri="{BB962C8B-B14F-4D97-AF65-F5344CB8AC3E}">
-        <p14:creationId xmlns:p14="http://schemas.microsoft.com/office/powerpoint/2010/main" val="3119017628"/>
+        <p14:creationId xmlns:p14="http://schemas.microsoft.com/office/powerpoint/2010/main" val="1052134673"/>
       </p:ext>
     </p:extLst>
   </p:cSld>
@@ -1178,7 +1179,7 @@
     </p:spTree>
     <p:extLst>
       <p:ext uri="{BB962C8B-B14F-4D97-AF65-F5344CB8AC3E}">
-        <p14:creationId xmlns:p14="http://schemas.microsoft.com/office/powerpoint/2010/main" val="784556617"/>
+        <p14:creationId xmlns:p14="http://schemas.microsoft.com/office/powerpoint/2010/main" val="3119017628"/>
       </p:ext>
     </p:extLst>
   </p:cSld>
@@ -1263,7 +1264,7 @@
     </p:spTree>
     <p:extLst>
       <p:ext uri="{BB962C8B-B14F-4D97-AF65-F5344CB8AC3E}">
-        <p14:creationId xmlns:p14="http://schemas.microsoft.com/office/powerpoint/2010/main" val="1980128322"/>
+        <p14:creationId xmlns:p14="http://schemas.microsoft.com/office/powerpoint/2010/main" val="784556617"/>
       </p:ext>
     </p:extLst>
   </p:cSld>
@@ -1348,7 +1349,7 @@
     </p:spTree>
     <p:extLst>
       <p:ext uri="{BB962C8B-B14F-4D97-AF65-F5344CB8AC3E}">
-        <p14:creationId xmlns:p14="http://schemas.microsoft.com/office/powerpoint/2010/main" val="548218977"/>
+        <p14:creationId xmlns:p14="http://schemas.microsoft.com/office/powerpoint/2010/main" val="1980128322"/>
       </p:ext>
     </p:extLst>
   </p:cSld>
@@ -1433,7 +1434,7 @@
     </p:spTree>
     <p:extLst>
       <p:ext uri="{BB962C8B-B14F-4D97-AF65-F5344CB8AC3E}">
-        <p14:creationId xmlns:p14="http://schemas.microsoft.com/office/powerpoint/2010/main" val="184434779"/>
+        <p14:creationId xmlns:p14="http://schemas.microsoft.com/office/powerpoint/2010/main" val="548218977"/>
       </p:ext>
     </p:extLst>
   </p:cSld>
@@ -1518,7 +1519,7 @@
     </p:spTree>
     <p:extLst>
       <p:ext uri="{BB962C8B-B14F-4D97-AF65-F5344CB8AC3E}">
-        <p14:creationId xmlns:p14="http://schemas.microsoft.com/office/powerpoint/2010/main" val="2506583842"/>
+        <p14:creationId xmlns:p14="http://schemas.microsoft.com/office/powerpoint/2010/main" val="184434779"/>
       </p:ext>
     </p:extLst>
   </p:cSld>
@@ -1603,7 +1604,7 @@
     </p:spTree>
     <p:extLst>
       <p:ext uri="{BB962C8B-B14F-4D97-AF65-F5344CB8AC3E}">
-        <p14:creationId xmlns:p14="http://schemas.microsoft.com/office/powerpoint/2010/main" val="2847697901"/>
+        <p14:creationId xmlns:p14="http://schemas.microsoft.com/office/powerpoint/2010/main" val="2506583842"/>
       </p:ext>
     </p:extLst>
   </p:cSld>
@@ -1688,7 +1689,7 @@
     </p:spTree>
     <p:extLst>
       <p:ext uri="{BB962C8B-B14F-4D97-AF65-F5344CB8AC3E}">
-        <p14:creationId xmlns:p14="http://schemas.microsoft.com/office/powerpoint/2010/main" val="2693309180"/>
+        <p14:creationId xmlns:p14="http://schemas.microsoft.com/office/powerpoint/2010/main" val="375669889"/>
       </p:ext>
     </p:extLst>
   </p:cSld>
@@ -1773,7 +1774,7 @@
     </p:spTree>
     <p:extLst>
       <p:ext uri="{BB962C8B-B14F-4D97-AF65-F5344CB8AC3E}">
-        <p14:creationId xmlns:p14="http://schemas.microsoft.com/office/powerpoint/2010/main" val="1113444101"/>
+        <p14:creationId xmlns:p14="http://schemas.microsoft.com/office/powerpoint/2010/main" val="2847697901"/>
       </p:ext>
     </p:extLst>
   </p:cSld>
@@ -1858,7 +1859,7 @@
     </p:spTree>
     <p:extLst>
       <p:ext uri="{BB962C8B-B14F-4D97-AF65-F5344CB8AC3E}">
-        <p14:creationId xmlns:p14="http://schemas.microsoft.com/office/powerpoint/2010/main" val="2410093336"/>
+        <p14:creationId xmlns:p14="http://schemas.microsoft.com/office/powerpoint/2010/main" val="1113444101"/>
       </p:ext>
     </p:extLst>
   </p:cSld>
@@ -1943,7 +1944,7 @@
     </p:spTree>
     <p:extLst>
       <p:ext uri="{BB962C8B-B14F-4D97-AF65-F5344CB8AC3E}">
-        <p14:creationId xmlns:p14="http://schemas.microsoft.com/office/powerpoint/2010/main" val="2147789067"/>
+        <p14:creationId xmlns:p14="http://schemas.microsoft.com/office/powerpoint/2010/main" val="2410093336"/>
       </p:ext>
     </p:extLst>
   </p:cSld>
@@ -2028,7 +2029,7 @@
     </p:spTree>
     <p:extLst>
       <p:ext uri="{BB962C8B-B14F-4D97-AF65-F5344CB8AC3E}">
-        <p14:creationId xmlns:p14="http://schemas.microsoft.com/office/powerpoint/2010/main" val="3908020486"/>
+        <p14:creationId xmlns:p14="http://schemas.microsoft.com/office/powerpoint/2010/main" val="2147789067"/>
       </p:ext>
     </p:extLst>
   </p:cSld>
@@ -2113,7 +2114,7 @@
     </p:spTree>
     <p:extLst>
       <p:ext uri="{BB962C8B-B14F-4D97-AF65-F5344CB8AC3E}">
-        <p14:creationId xmlns:p14="http://schemas.microsoft.com/office/powerpoint/2010/main" val="217368902"/>
+        <p14:creationId xmlns:p14="http://schemas.microsoft.com/office/powerpoint/2010/main" val="3908020486"/>
       </p:ext>
     </p:extLst>
   </p:cSld>
@@ -2198,7 +2199,7 @@
     </p:spTree>
     <p:extLst>
       <p:ext uri="{BB962C8B-B14F-4D97-AF65-F5344CB8AC3E}">
-        <p14:creationId xmlns:p14="http://schemas.microsoft.com/office/powerpoint/2010/main" val="1334118241"/>
+        <p14:creationId xmlns:p14="http://schemas.microsoft.com/office/powerpoint/2010/main" val="217368902"/>
       </p:ext>
     </p:extLst>
   </p:cSld>
@@ -2283,7 +2284,7 @@
     </p:spTree>
     <p:extLst>
       <p:ext uri="{BB962C8B-B14F-4D97-AF65-F5344CB8AC3E}">
-        <p14:creationId xmlns:p14="http://schemas.microsoft.com/office/powerpoint/2010/main" val="225526324"/>
+        <p14:creationId xmlns:p14="http://schemas.microsoft.com/office/powerpoint/2010/main" val="1334118241"/>
       </p:ext>
     </p:extLst>
   </p:cSld>
@@ -2368,7 +2369,7 @@
     </p:spTree>
     <p:extLst>
       <p:ext uri="{BB962C8B-B14F-4D97-AF65-F5344CB8AC3E}">
-        <p14:creationId xmlns:p14="http://schemas.microsoft.com/office/powerpoint/2010/main" val="2693264220"/>
+        <p14:creationId xmlns:p14="http://schemas.microsoft.com/office/powerpoint/2010/main" val="225526324"/>
       </p:ext>
     </p:extLst>
   </p:cSld>
@@ -2445,6 +2446,91 @@
               <a:rPr lang="en-US" altLang="ko-KR" smtClean="0"/>
               <a:pPr/>
               <a:t>28</a:t>
+            </a:fld>
+            <a:endParaRPr lang="ko-KR" altLang="en-US" dirty="0"/>
+          </a:p>
+        </p:txBody>
+      </p:sp>
+    </p:spTree>
+    <p:extLst>
+      <p:ext uri="{BB962C8B-B14F-4D97-AF65-F5344CB8AC3E}">
+        <p14:creationId xmlns:p14="http://schemas.microsoft.com/office/powerpoint/2010/main" val="2693264220"/>
+      </p:ext>
+    </p:extLst>
+  </p:cSld>
+  <p:clrMapOvr>
+    <a:masterClrMapping/>
+  </p:clrMapOvr>
+</p:notes>
+</file>
+
+<file path=ppt/notesSlides/notesSlide29.xml><?xml version="1.0" encoding="utf-8"?>
+<p:notes xmlns:a="http://schemas.openxmlformats.org/drawingml/2006/main" xmlns:r="http://schemas.openxmlformats.org/officeDocument/2006/relationships" xmlns:p="http://schemas.openxmlformats.org/presentationml/2006/main">
+  <p:cSld>
+    <p:spTree>
+      <p:nvGrpSpPr>
+        <p:cNvPr id="1" name=""/>
+        <p:cNvGrpSpPr/>
+        <p:nvPr/>
+      </p:nvGrpSpPr>
+      <p:grpSpPr>
+        <a:xfrm>
+          <a:off x="0" y="0"/>
+          <a:ext cx="0" cy="0"/>
+          <a:chOff x="0" y="0"/>
+          <a:chExt cx="0" cy="0"/>
+        </a:xfrm>
+      </p:grpSpPr>
+      <p:sp>
+        <p:nvSpPr>
+          <p:cNvPr id="2" name="슬라이드 이미지 개체 틀 1"/>
+          <p:cNvSpPr>
+            <a:spLocks noGrp="1" noRot="1" noChangeAspect="1"/>
+          </p:cNvSpPr>
+          <p:nvPr>
+            <p:ph type="sldImg"/>
+          </p:nvPr>
+        </p:nvSpPr>
+        <p:spPr/>
+      </p:sp>
+      <p:sp>
+        <p:nvSpPr>
+          <p:cNvPr id="3" name="슬라이드 노트 개체 틀 2"/>
+          <p:cNvSpPr>
+            <a:spLocks noGrp="1"/>
+          </p:cNvSpPr>
+          <p:nvPr>
+            <p:ph type="body" idx="1"/>
+          </p:nvPr>
+        </p:nvSpPr>
+        <p:spPr/>
+        <p:txBody>
+          <a:bodyPr/>
+          <a:lstStyle/>
+          <a:p>
+            <a:endParaRPr lang="ko-KR" altLang="en-US" dirty="0"/>
+          </a:p>
+        </p:txBody>
+      </p:sp>
+      <p:sp>
+        <p:nvSpPr>
+          <p:cNvPr id="4" name="슬라이드 번호 개체 틀 3"/>
+          <p:cNvSpPr>
+            <a:spLocks noGrp="1"/>
+          </p:cNvSpPr>
+          <p:nvPr>
+            <p:ph type="sldNum" sz="quarter" idx="10"/>
+          </p:nvPr>
+        </p:nvSpPr>
+        <p:spPr/>
+        <p:txBody>
+          <a:bodyPr/>
+          <a:lstStyle/>
+          <a:p>
+            <a:fld id="{893B0CF2-7F87-4E02-A248-870047730F99}" type="slidenum">
+              <a:rPr lang="en-US" altLang="ko-KR" smtClean="0"/>
+              <a:pPr/>
+              <a:t>29</a:t>
             </a:fld>
             <a:endParaRPr lang="ko-KR" altLang="en-US" dirty="0"/>
           </a:p>
@@ -2538,7 +2624,7 @@
     </p:spTree>
     <p:extLst>
       <p:ext uri="{BB962C8B-B14F-4D97-AF65-F5344CB8AC3E}">
-        <p14:creationId xmlns:p14="http://schemas.microsoft.com/office/powerpoint/2010/main" val="2452345385"/>
+        <p14:creationId xmlns:p14="http://schemas.microsoft.com/office/powerpoint/2010/main" val="2693309180"/>
       </p:ext>
     </p:extLst>
   </p:cSld>
@@ -2623,7 +2709,7 @@
     </p:spTree>
     <p:extLst>
       <p:ext uri="{BB962C8B-B14F-4D97-AF65-F5344CB8AC3E}">
-        <p14:creationId xmlns:p14="http://schemas.microsoft.com/office/powerpoint/2010/main" val="2709213021"/>
+        <p14:creationId xmlns:p14="http://schemas.microsoft.com/office/powerpoint/2010/main" val="2452345385"/>
       </p:ext>
     </p:extLst>
   </p:cSld>
@@ -2708,7 +2794,7 @@
     </p:spTree>
     <p:extLst>
       <p:ext uri="{BB962C8B-B14F-4D97-AF65-F5344CB8AC3E}">
-        <p14:creationId xmlns:p14="http://schemas.microsoft.com/office/powerpoint/2010/main" val="3091539828"/>
+        <p14:creationId xmlns:p14="http://schemas.microsoft.com/office/powerpoint/2010/main" val="2709213021"/>
       </p:ext>
     </p:extLst>
   </p:cSld>
@@ -2793,7 +2879,7 @@
     </p:spTree>
     <p:extLst>
       <p:ext uri="{BB962C8B-B14F-4D97-AF65-F5344CB8AC3E}">
-        <p14:creationId xmlns:p14="http://schemas.microsoft.com/office/powerpoint/2010/main" val="2366834151"/>
+        <p14:creationId xmlns:p14="http://schemas.microsoft.com/office/powerpoint/2010/main" val="3091539828"/>
       </p:ext>
     </p:extLst>
   </p:cSld>
@@ -2878,7 +2964,7 @@
     </p:spTree>
     <p:extLst>
       <p:ext uri="{BB962C8B-B14F-4D97-AF65-F5344CB8AC3E}">
-        <p14:creationId xmlns:p14="http://schemas.microsoft.com/office/powerpoint/2010/main" val="3137591943"/>
+        <p14:creationId xmlns:p14="http://schemas.microsoft.com/office/powerpoint/2010/main" val="2366834151"/>
       </p:ext>
     </p:extLst>
   </p:cSld>
@@ -2963,7 +3049,7 @@
     </p:spTree>
     <p:extLst>
       <p:ext uri="{BB962C8B-B14F-4D97-AF65-F5344CB8AC3E}">
-        <p14:creationId xmlns:p14="http://schemas.microsoft.com/office/powerpoint/2010/main" val="2507355844"/>
+        <p14:creationId xmlns:p14="http://schemas.microsoft.com/office/powerpoint/2010/main" val="3137591943"/>
       </p:ext>
     </p:extLst>
   </p:cSld>
@@ -3048,7 +3134,7 @@
     </p:spTree>
     <p:extLst>
       <p:ext uri="{BB962C8B-B14F-4D97-AF65-F5344CB8AC3E}">
-        <p14:creationId xmlns:p14="http://schemas.microsoft.com/office/powerpoint/2010/main" val="2206451929"/>
+        <p14:creationId xmlns:p14="http://schemas.microsoft.com/office/powerpoint/2010/main" val="2507355844"/>
       </p:ext>
     </p:extLst>
   </p:cSld>
@@ -7554,33 +7640,43 @@
             <p:ph type="title"/>
           </p:nvPr>
         </p:nvSpPr>
-        <p:spPr/>
-        <p:txBody>
-          <a:bodyPr vert="horz" lIns="0" rIns="0" bIns="0" rtlCol="0" anchor="b">
+        <p:spPr>
+          <a:xfrm>
+            <a:off x="711200" y="1129523"/>
+            <a:ext cx="10972800" cy="741911"/>
+          </a:xfrm>
+        </p:spPr>
+        <p:txBody>
+          <a:bodyPr rtlCol="0">
             <a:normAutofit/>
           </a:bodyPr>
           <a:lstStyle/>
           <a:p>
-            <a:pPr marL="457200" indent="-457200">
+            <a:pPr marL="457200" indent="-457200" rtl="0">
               <a:buFont typeface="Wingdings" panose="05000000000000000000" pitchFamily="2" charset="2"/>
               <a:buChar char="Ø"/>
             </a:pPr>
             <a:r>
-              <a:rPr lang="en-US" altLang="ko-KR" sz="2800" dirty="0">
+              <a:rPr lang="en-US" altLang="ko-KR" sz="2800" dirty="0" smtClean="0">
                 <a:solidFill>
                   <a:schemeClr val="tx1"/>
                 </a:solidFill>
               </a:rPr>
-              <a:t>Digi-Key BOM </a:t>
-            </a:r>
-            <a:r>
-              <a:rPr lang="ko-KR" altLang="en-US" sz="2800" dirty="0">
+              <a:t>FMU3_Power </a:t>
+            </a:r>
+            <a:r>
+              <a:rPr lang="ko-KR" altLang="en-US" sz="2800" dirty="0" smtClean="0">
                 <a:solidFill>
                   <a:schemeClr val="tx1"/>
                 </a:solidFill>
               </a:rPr>
-              <a:t>작성</a:t>
-            </a:r>
+              <a:t>보드 수정</a:t>
+            </a:r>
+            <a:endParaRPr lang="ko-KR" altLang="en-US" sz="2800" dirty="0">
+              <a:solidFill>
+                <a:schemeClr val="tx1"/>
+              </a:solidFill>
+            </a:endParaRPr>
           </a:p>
         </p:txBody>
       </p:sp>
@@ -7614,343 +7710,175 @@
           </a:prstGeom>
         </p:spPr>
       </p:pic>
-      <p:sp>
-        <p:nvSpPr>
-          <p:cNvPr id="7" name="Rectangle 3"/>
-          <p:cNvSpPr>
-            <a:spLocks noChangeArrowheads="1"/>
-          </p:cNvSpPr>
+      <p:pic>
+        <p:nvPicPr>
+          <p:cNvPr id="18434" name="Picture 2" descr="https://lh5.googleusercontent.com/gX1FV8Q_-d9fYBNP_SjgDgPIAKokGqrURF0A6b36ZNfmlSzmOZoeC8rTpJfvghFlvTG3OVwhbu_EUL0x2h2SmhPEOboVui6-YzlbH1ArtGAUBjqs4dWkNzyNQdf17RYqr_j6FBhP"/>
+          <p:cNvPicPr>
+            <a:picLocks noChangeAspect="1" noChangeArrowheads="1"/>
+          </p:cNvPicPr>
           <p:nvPr/>
-        </p:nvSpPr>
+        </p:nvPicPr>
+        <p:blipFill>
+          <a:blip r:embed="rId4" cstate="print">
+            <a:extLst>
+              <a:ext uri="{28A0092B-C50C-407E-A947-70E740481C1C}">
+                <a14:useLocalDpi xmlns:a14="http://schemas.microsoft.com/office/drawing/2010/main" val="0"/>
+              </a:ext>
+            </a:extLst>
+          </a:blip>
+          <a:srcRect/>
+          <a:stretch>
+            <a:fillRect/>
+          </a:stretch>
+        </p:blipFill>
         <p:spPr bwMode="auto">
           <a:xfrm>
-            <a:off x="609600" y="4460009"/>
-            <a:ext cx="7716792" cy="738664"/>
+            <a:off x="255373" y="2066925"/>
+            <a:ext cx="5642919" cy="2028725"/>
           </a:xfrm>
           <a:prstGeom prst="rect">
             <a:avLst/>
           </a:prstGeom>
           <a:noFill/>
-          <a:ln w="9525">
-            <a:solidFill>
-              <a:schemeClr val="bg1">
-                <a:lumMod val="85000"/>
-              </a:schemeClr>
-            </a:solidFill>
-            <a:miter lim="800000"/>
-            <a:headEnd/>
-            <a:tailEnd/>
-          </a:ln>
-          <a:effectLst/>
           <a:extLst>
             <a:ext uri="{909E8E84-426E-40DD-AFC4-6F175D3DCCD1}">
               <a14:hiddenFill xmlns:a14="http://schemas.microsoft.com/office/drawing/2010/main">
                 <a:solidFill>
-                  <a:schemeClr val="accent1"/>
+                  <a:srgbClr val="FFFFFF"/>
                 </a:solidFill>
               </a14:hiddenFill>
-            </a:ext>
-            <a:ext uri="{AF507438-7753-43E0-B8FC-AC1667EBCBE1}">
-              <a14:hiddenEffects xmlns:a14="http://schemas.microsoft.com/office/drawing/2010/main">
-                <a:effectLst>
-                  <a:outerShdw dist="35921" dir="2700000" algn="ctr" rotWithShape="0">
-                    <a:schemeClr val="bg2"/>
-                  </a:outerShdw>
-                </a:effectLst>
-              </a14:hiddenEffects>
             </a:ext>
           </a:extLst>
         </p:spPr>
-        <p:txBody>
-          <a:bodyPr vert="horz" wrap="none" lIns="91440" tIns="45720" rIns="91440" bIns="45720" numCol="1" anchor="ctr" anchorCtr="0" compatLnSpc="1">
-            <a:prstTxWarp prst="textNoShape">
-              <a:avLst/>
-            </a:prstTxWarp>
-            <a:spAutoFit/>
-          </a:bodyPr>
-          <a:lstStyle/>
-          <a:p>
-            <a:pPr marL="0" marR="0" lvl="0" indent="0" algn="l" defTabSz="914400" rtl="0" eaLnBrk="0" fontAlgn="base" latinLnBrk="0" hangingPunct="0">
-              <a:lnSpc>
-                <a:spcPct val="100000"/>
-              </a:lnSpc>
-              <a:spcBef>
-                <a:spcPct val="0"/>
-              </a:spcBef>
-              <a:spcAft>
-                <a:spcPct val="0"/>
-              </a:spcAft>
-              <a:buClrTx/>
-              <a:buSzTx/>
-              <a:buFontTx/>
-              <a:buNone/>
-              <a:tabLst/>
-            </a:pPr>
-            <a:r>
-              <a:rPr kumimoji="0" lang="ko-KR" altLang="en-US" sz="1400" b="1" i="0" u="none" strike="noStrike" cap="none" normalizeH="0" baseline="0" dirty="0" err="1" smtClean="0">
-                <a:ln>
-                  <a:noFill/>
-                </a:ln>
-                <a:solidFill>
-                  <a:srgbClr val="000000"/>
-                </a:solidFill>
-                <a:effectLst/>
-                <a:latin typeface="+mn-ea"/>
-                <a:cs typeface="Arial" panose="020B0604020202020204" pitchFamily="34" charset="0"/>
-              </a:rPr>
-              <a:t>변경점</a:t>
-            </a:r>
-            <a:endParaRPr kumimoji="0" lang="en-US" altLang="ko-KR" sz="1400" b="1" i="0" u="none" strike="noStrike" cap="none" normalizeH="0" baseline="0" dirty="0" smtClean="0">
-              <a:ln>
-                <a:noFill/>
-              </a:ln>
-              <a:solidFill>
-                <a:srgbClr val="000000"/>
-              </a:solidFill>
-              <a:effectLst/>
-              <a:latin typeface="+mn-ea"/>
-              <a:cs typeface="Arial" panose="020B0604020202020204" pitchFamily="34" charset="0"/>
-            </a:endParaRPr>
-          </a:p>
-          <a:p>
-            <a:pPr marL="0" marR="0" lvl="0" indent="0" algn="l" defTabSz="914400" rtl="0" eaLnBrk="0" fontAlgn="base" latinLnBrk="0" hangingPunct="0">
-              <a:lnSpc>
-                <a:spcPct val="100000"/>
-              </a:lnSpc>
-              <a:spcBef>
-                <a:spcPct val="0"/>
-              </a:spcBef>
-              <a:spcAft>
-                <a:spcPct val="0"/>
-              </a:spcAft>
-              <a:buClrTx/>
-              <a:buSzTx/>
-              <a:buFontTx/>
-              <a:buNone/>
-              <a:tabLst/>
-            </a:pPr>
-            <a:r>
-              <a:rPr kumimoji="0" lang="ko-KR" altLang="ko-KR" sz="1400" b="0" i="0" u="none" strike="noStrike" cap="none" normalizeH="0" baseline="0" dirty="0" smtClean="0">
-                <a:ln>
-                  <a:noFill/>
-                </a:ln>
-                <a:solidFill>
-                  <a:srgbClr val="000000"/>
-                </a:solidFill>
-                <a:effectLst/>
-                <a:latin typeface="+mn-ea"/>
-                <a:cs typeface="Arial" panose="020B0604020202020204" pitchFamily="34" charset="0"/>
-              </a:rPr>
-              <a:t>L1:</a:t>
-            </a:r>
-            <a:r>
-              <a:rPr kumimoji="0" lang="ko-KR" altLang="ko-KR" sz="1400" b="0" i="0" u="none" strike="noStrike" cap="none" normalizeH="0" baseline="0" dirty="0" smtClean="0">
-                <a:ln>
-                  <a:noFill/>
-                </a:ln>
-                <a:solidFill>
-                  <a:schemeClr val="tx1"/>
-                </a:solidFill>
-                <a:effectLst/>
-                <a:latin typeface="+mn-ea"/>
-              </a:rPr>
-              <a:t>  </a:t>
-            </a:r>
-            <a:r>
-              <a:rPr kumimoji="0" lang="ko-KR" altLang="ko-KR" sz="1400" b="0" i="0" u="none" strike="noStrike" cap="none" normalizeH="0" baseline="0" dirty="0" smtClean="0">
-                <a:ln>
-                  <a:noFill/>
-                </a:ln>
-                <a:solidFill>
-                  <a:srgbClr val="000000"/>
-                </a:solidFill>
-                <a:effectLst/>
-                <a:latin typeface="+mn-ea"/>
-                <a:cs typeface="Arial" panose="020B0604020202020204" pitchFamily="34" charset="0"/>
-              </a:rPr>
-              <a:t>KNH16C104bA5TS EMI </a:t>
-            </a:r>
-            <a:r>
-              <a:rPr kumimoji="0" lang="ko-KR" altLang="ko-KR" sz="1400" b="0" i="0" u="none" strike="noStrike" cap="none" normalizeH="0" baseline="0" dirty="0" err="1" smtClean="0">
-                <a:ln>
-                  <a:noFill/>
-                </a:ln>
-                <a:solidFill>
-                  <a:srgbClr val="000000"/>
-                </a:solidFill>
-                <a:effectLst/>
-                <a:latin typeface="+mn-ea"/>
-                <a:cs typeface="Arial" panose="020B0604020202020204" pitchFamily="34" charset="0"/>
-              </a:rPr>
-              <a:t>filter</a:t>
-            </a:r>
-            <a:r>
-              <a:rPr kumimoji="0" lang="ko-KR" altLang="ko-KR" sz="1400" b="0" i="0" u="none" strike="noStrike" cap="none" normalizeH="0" baseline="0" dirty="0" smtClean="0">
-                <a:ln>
-                  <a:noFill/>
-                </a:ln>
-                <a:solidFill>
-                  <a:srgbClr val="000000"/>
-                </a:solidFill>
-                <a:effectLst/>
-                <a:latin typeface="+mn-ea"/>
-                <a:cs typeface="Arial" panose="020B0604020202020204" pitchFamily="34" charset="0"/>
-              </a:rPr>
-              <a:t> 삭제</a:t>
-            </a:r>
-            <a:endParaRPr kumimoji="0" lang="ko-KR" altLang="ko-KR" sz="1400" b="0" i="0" u="none" strike="noStrike" cap="none" normalizeH="0" baseline="0" dirty="0" smtClean="0">
-              <a:ln>
-                <a:noFill/>
-              </a:ln>
-              <a:solidFill>
-                <a:schemeClr val="tx1"/>
-              </a:solidFill>
-              <a:effectLst/>
-              <a:latin typeface="+mn-ea"/>
-            </a:endParaRPr>
-          </a:p>
-          <a:p>
-            <a:pPr marL="0" marR="0" lvl="0" indent="0" algn="l" defTabSz="914400" rtl="0" eaLnBrk="0" fontAlgn="base" latinLnBrk="0" hangingPunct="0">
-              <a:lnSpc>
-                <a:spcPct val="100000"/>
-              </a:lnSpc>
-              <a:spcBef>
-                <a:spcPct val="0"/>
-              </a:spcBef>
-              <a:spcAft>
-                <a:spcPct val="0"/>
-              </a:spcAft>
-              <a:buClrTx/>
-              <a:buSzTx/>
-              <a:buFontTx/>
-              <a:buNone/>
-              <a:tabLst/>
-            </a:pPr>
-            <a:r>
-              <a:rPr kumimoji="0" lang="ko-KR" altLang="ko-KR" sz="1400" b="0" i="0" u="none" strike="noStrike" cap="none" normalizeH="0" baseline="0" dirty="0" smtClean="0">
-                <a:ln>
-                  <a:noFill/>
-                </a:ln>
-                <a:solidFill>
-                  <a:srgbClr val="000000"/>
-                </a:solidFill>
-                <a:effectLst/>
-                <a:latin typeface="+mn-ea"/>
-                <a:cs typeface="Arial" panose="020B0604020202020204" pitchFamily="34" charset="0"/>
-              </a:rPr>
-              <a:t>C3:</a:t>
-            </a:r>
-            <a:r>
-              <a:rPr lang="en-US" altLang="ko-KR" sz="1400" dirty="0">
-                <a:latin typeface="+mn-ea"/>
-              </a:rPr>
-              <a:t> </a:t>
-            </a:r>
-            <a:r>
-              <a:rPr kumimoji="0" lang="ko-KR" altLang="ko-KR" sz="1400" b="0" i="0" u="none" strike="noStrike" cap="none" normalizeH="0" baseline="0" dirty="0" smtClean="0">
-                <a:ln>
-                  <a:noFill/>
-                </a:ln>
-                <a:solidFill>
-                  <a:srgbClr val="000000"/>
-                </a:solidFill>
-                <a:effectLst/>
-                <a:latin typeface="+mn-ea"/>
-                <a:cs typeface="Arial" panose="020B0604020202020204" pitchFamily="34" charset="0"/>
-              </a:rPr>
-              <a:t>CC0402KRX7R7BB103(311-1042-1-ND)   =&gt;  GRM155R7103KA01J(490-6326-1-ND) 변경</a:t>
-            </a:r>
-            <a:endParaRPr kumimoji="0" lang="ko-KR" altLang="ko-KR" sz="1400" b="0" i="0" u="none" strike="noStrike" cap="none" normalizeH="0" baseline="0" dirty="0" smtClean="0">
-              <a:ln>
-                <a:noFill/>
-              </a:ln>
-              <a:solidFill>
-                <a:schemeClr val="tx1"/>
-              </a:solidFill>
-              <a:effectLst/>
-              <a:latin typeface="+mn-ea"/>
-            </a:endParaRPr>
-          </a:p>
-        </p:txBody>
-      </p:sp>
+      </p:pic>
       <p:pic>
         <p:nvPicPr>
-          <p:cNvPr id="6" name="그림 5"/>
+          <p:cNvPr id="18436" name="Picture 4" descr="https://lh3.googleusercontent.com/lX0rRYyqAR9evhIKDjFkxeNdUmAatnu1ubicwiCb0enuafAPPDze3Yvygav5NrF0qFtYV0B-ibH9o1Ydxw52FlR-n6XRzEYIfVB5QPp02W3qDy05AC_1YKQU_b5sfZCDGt2o2SWk"/>
           <p:cNvPicPr>
-            <a:picLocks noChangeAspect="1"/>
+            <a:picLocks noChangeAspect="1" noChangeArrowheads="1"/>
           </p:cNvPicPr>
           <p:nvPr/>
         </p:nvPicPr>
         <p:blipFill>
-          <a:blip r:embed="rId4"/>
+          <a:blip r:embed="rId5" cstate="print">
+            <a:extLst>
+              <a:ext uri="{28A0092B-C50C-407E-A947-70E740481C1C}">
+                <a14:useLocalDpi xmlns:a14="http://schemas.microsoft.com/office/drawing/2010/main" val="0"/>
+              </a:ext>
+            </a:extLst>
+          </a:blip>
+          <a:srcRect/>
           <a:stretch>
             <a:fillRect/>
           </a:stretch>
         </p:blipFill>
-        <p:spPr>
+        <p:spPr bwMode="auto">
           <a:xfrm>
-            <a:off x="711201" y="2187571"/>
-            <a:ext cx="8516620" cy="1663754"/>
+            <a:off x="1034192" y="4291141"/>
+            <a:ext cx="3325129" cy="2028725"/>
           </a:xfrm>
           <a:prstGeom prst="rect">
             <a:avLst/>
           </a:prstGeom>
+          <a:noFill/>
+          <a:extLst>
+            <a:ext uri="{909E8E84-426E-40DD-AFC4-6F175D3DCCD1}">
+              <a14:hiddenFill xmlns:a14="http://schemas.microsoft.com/office/drawing/2010/main">
+                <a:solidFill>
+                  <a:srgbClr val="FFFFFF"/>
+                </a:solidFill>
+              </a14:hiddenFill>
+            </a:ext>
+          </a:extLst>
         </p:spPr>
       </p:pic>
       <p:sp>
         <p:nvSpPr>
-          <p:cNvPr id="10" name="직사각형 9"/>
-          <p:cNvSpPr/>
+          <p:cNvPr id="2" name="TextBox 1"/>
+          <p:cNvSpPr txBox="1"/>
           <p:nvPr/>
         </p:nvSpPr>
         <p:spPr>
           <a:xfrm>
-            <a:off x="7729582" y="5968484"/>
-            <a:ext cx="3647986" cy="369332"/>
+            <a:off x="6726967" y="3090812"/>
+            <a:ext cx="4410075" cy="1200329"/>
           </a:xfrm>
           <a:prstGeom prst="rect">
             <a:avLst/>
           </a:prstGeom>
+          <a:noFill/>
+          <a:ln>
+            <a:solidFill>
+              <a:schemeClr val="bg2"/>
+            </a:solidFill>
+          </a:ln>
         </p:spPr>
         <p:txBody>
-          <a:bodyPr wrap="none">
+          <a:bodyPr wrap="square" rtlCol="0">
             <a:spAutoFit/>
           </a:bodyPr>
           <a:lstStyle/>
           <a:p>
             <a:r>
-              <a:rPr lang="en-US" altLang="ko-KR" dirty="0" err="1">
-                <a:latin typeface="맑은 고딕" panose="020B0503020000020004" pitchFamily="50" charset="-127"/>
-              </a:rPr>
-              <a:t>DigiKey</a:t>
-            </a:r>
-            <a:r>
-              <a:rPr lang="en-US" altLang="ko-KR" dirty="0">
-                <a:latin typeface="맑은 고딕" panose="020B0503020000020004" pitchFamily="50" charset="-127"/>
-              </a:rPr>
-              <a:t> : </a:t>
-            </a:r>
-            <a:r>
-              <a:rPr lang="en-US" altLang="ko-KR" dirty="0">
-                <a:latin typeface="맑은 고딕" panose="020B0503020000020004" pitchFamily="50" charset="-127"/>
-                <a:hlinkClick r:id="rId5"/>
-              </a:rPr>
-              <a:t>https://www.digikey.kr/</a:t>
-            </a:r>
-            <a:r>
-              <a:rPr lang="en-US" altLang="ko-KR" dirty="0">
-                <a:latin typeface="맑은 고딕" panose="020B0503020000020004" pitchFamily="50" charset="-127"/>
-              </a:rPr>
-              <a:t> </a:t>
-            </a:r>
-            <a:endParaRPr lang="ko-KR" altLang="en-US" dirty="0"/>
+              <a:rPr lang="en-US" altLang="ko-KR" dirty="0" smtClean="0"/>
+              <a:t>&lt;</a:t>
+            </a:r>
+            <a:r>
+              <a:rPr lang="ko-KR" altLang="en-US" dirty="0" smtClean="0"/>
+              <a:t>수정사항 </a:t>
+            </a:r>
+            <a:r>
+              <a:rPr lang="en-US" altLang="ko-KR" dirty="0" smtClean="0"/>
+              <a:t>&gt;</a:t>
+            </a:r>
+          </a:p>
+          <a:p>
+            <a:pPr marL="285750" indent="-285750">
+              <a:buFont typeface="Arial" panose="020B0604020202020204" pitchFamily="34" charset="0"/>
+              <a:buChar char="•"/>
+            </a:pPr>
+            <a:r>
+              <a:rPr lang="en-US" altLang="ko-KR" dirty="0" smtClean="0"/>
+              <a:t>GND </a:t>
+            </a:r>
+            <a:r>
+              <a:rPr lang="ko-KR" altLang="en-US" dirty="0" smtClean="0"/>
+              <a:t>출력 추가</a:t>
+            </a:r>
+            <a:endParaRPr lang="en-US" altLang="ko-KR" dirty="0" smtClean="0"/>
+          </a:p>
+          <a:p>
+            <a:pPr marL="285750" indent="-285750">
+              <a:buFont typeface="Arial" panose="020B0604020202020204" pitchFamily="34" charset="0"/>
+              <a:buChar char="•"/>
+            </a:pPr>
+            <a:r>
+              <a:rPr lang="ko-KR" altLang="en-US" dirty="0" err="1" smtClean="0"/>
+              <a:t>방열판</a:t>
+            </a:r>
+            <a:r>
+              <a:rPr lang="ko-KR" altLang="en-US" dirty="0" smtClean="0"/>
+              <a:t> 회로 추가 </a:t>
+            </a:r>
+            <a:endParaRPr lang="en-US" altLang="ko-KR" dirty="0" smtClean="0"/>
+          </a:p>
+          <a:p>
+            <a:pPr marL="285750" indent="-285750">
+              <a:buFont typeface="Arial" panose="020B0604020202020204" pitchFamily="34" charset="0"/>
+              <a:buChar char="•"/>
+            </a:pPr>
+            <a:r>
+              <a:rPr lang="ko-KR" altLang="en-US" dirty="0" smtClean="0"/>
+              <a:t>입출력 포트 정렬</a:t>
+            </a:r>
+            <a:endParaRPr lang="en-US" altLang="ko-KR" dirty="0" smtClean="0"/>
           </a:p>
         </p:txBody>
       </p:sp>
     </p:spTree>
     <p:extLst>
       <p:ext uri="{BB962C8B-B14F-4D97-AF65-F5344CB8AC3E}">
-        <p14:creationId xmlns:p14="http://schemas.microsoft.com/office/powerpoint/2010/main" val="2391134826"/>
+        <p14:creationId xmlns:p14="http://schemas.microsoft.com/office/powerpoint/2010/main" val="46727910"/>
       </p:ext>
     </p:extLst>
   </p:cSld>
@@ -8023,6 +7951,458 @@
                   <a:schemeClr val="tx1"/>
                 </a:solidFill>
               </a:rPr>
+              <a:t>Digi-Key BOM </a:t>
+            </a:r>
+            <a:r>
+              <a:rPr lang="ko-KR" altLang="en-US" sz="2800" dirty="0">
+                <a:solidFill>
+                  <a:schemeClr val="tx1"/>
+                </a:solidFill>
+              </a:rPr>
+              <a:t>작성</a:t>
+            </a:r>
+          </a:p>
+        </p:txBody>
+      </p:sp>
+      <p:pic>
+        <p:nvPicPr>
+          <p:cNvPr id="4" name="그림 3"/>
+          <p:cNvPicPr>
+            <a:picLocks noChangeAspect="1"/>
+          </p:cNvPicPr>
+          <p:nvPr/>
+        </p:nvPicPr>
+        <p:blipFill>
+          <a:blip r:embed="rId3">
+            <a:extLst>
+              <a:ext uri="{28A0092B-C50C-407E-A947-70E740481C1C}">
+                <a14:useLocalDpi xmlns:a14="http://schemas.microsoft.com/office/drawing/2010/main" val="0"/>
+              </a:ext>
+            </a:extLst>
+          </a:blip>
+          <a:stretch>
+            <a:fillRect/>
+          </a:stretch>
+        </p:blipFill>
+        <p:spPr>
+          <a:xfrm>
+            <a:off x="99304" y="0"/>
+            <a:ext cx="611896" cy="581301"/>
+          </a:xfrm>
+          <a:prstGeom prst="rect">
+            <a:avLst/>
+          </a:prstGeom>
+        </p:spPr>
+      </p:pic>
+      <p:sp>
+        <p:nvSpPr>
+          <p:cNvPr id="7" name="Rectangle 3"/>
+          <p:cNvSpPr>
+            <a:spLocks noChangeArrowheads="1"/>
+          </p:cNvSpPr>
+          <p:nvPr/>
+        </p:nvSpPr>
+        <p:spPr bwMode="auto">
+          <a:xfrm>
+            <a:off x="609600" y="4460009"/>
+            <a:ext cx="7716792" cy="738664"/>
+          </a:xfrm>
+          <a:prstGeom prst="rect">
+            <a:avLst/>
+          </a:prstGeom>
+          <a:noFill/>
+          <a:ln w="9525">
+            <a:solidFill>
+              <a:schemeClr val="bg1">
+                <a:lumMod val="85000"/>
+              </a:schemeClr>
+            </a:solidFill>
+            <a:miter lim="800000"/>
+            <a:headEnd/>
+            <a:tailEnd/>
+          </a:ln>
+          <a:effectLst/>
+          <a:extLst>
+            <a:ext uri="{909E8E84-426E-40DD-AFC4-6F175D3DCCD1}">
+              <a14:hiddenFill xmlns:a14="http://schemas.microsoft.com/office/drawing/2010/main">
+                <a:solidFill>
+                  <a:schemeClr val="accent1"/>
+                </a:solidFill>
+              </a14:hiddenFill>
+            </a:ext>
+            <a:ext uri="{AF507438-7753-43E0-B8FC-AC1667EBCBE1}">
+              <a14:hiddenEffects xmlns:a14="http://schemas.microsoft.com/office/drawing/2010/main">
+                <a:effectLst>
+                  <a:outerShdw dist="35921" dir="2700000" algn="ctr" rotWithShape="0">
+                    <a:schemeClr val="bg2"/>
+                  </a:outerShdw>
+                </a:effectLst>
+              </a14:hiddenEffects>
+            </a:ext>
+          </a:extLst>
+        </p:spPr>
+        <p:txBody>
+          <a:bodyPr vert="horz" wrap="none" lIns="91440" tIns="45720" rIns="91440" bIns="45720" numCol="1" anchor="ctr" anchorCtr="0" compatLnSpc="1">
+            <a:prstTxWarp prst="textNoShape">
+              <a:avLst/>
+            </a:prstTxWarp>
+            <a:spAutoFit/>
+          </a:bodyPr>
+          <a:lstStyle/>
+          <a:p>
+            <a:pPr marL="0" marR="0" lvl="0" indent="0" algn="l" defTabSz="914400" rtl="0" eaLnBrk="0" fontAlgn="base" latinLnBrk="0" hangingPunct="0">
+              <a:lnSpc>
+                <a:spcPct val="100000"/>
+              </a:lnSpc>
+              <a:spcBef>
+                <a:spcPct val="0"/>
+              </a:spcBef>
+              <a:spcAft>
+                <a:spcPct val="0"/>
+              </a:spcAft>
+              <a:buClrTx/>
+              <a:buSzTx/>
+              <a:buFontTx/>
+              <a:buNone/>
+              <a:tabLst/>
+            </a:pPr>
+            <a:r>
+              <a:rPr kumimoji="0" lang="ko-KR" altLang="en-US" sz="1400" b="1" i="0" u="none" strike="noStrike" cap="none" normalizeH="0" baseline="0" dirty="0" err="1" smtClean="0">
+                <a:ln>
+                  <a:noFill/>
+                </a:ln>
+                <a:solidFill>
+                  <a:srgbClr val="000000"/>
+                </a:solidFill>
+                <a:effectLst/>
+                <a:latin typeface="+mn-ea"/>
+                <a:cs typeface="Arial" panose="020B0604020202020204" pitchFamily="34" charset="0"/>
+              </a:rPr>
+              <a:t>변경점</a:t>
+            </a:r>
+            <a:endParaRPr kumimoji="0" lang="en-US" altLang="ko-KR" sz="1400" b="1" i="0" u="none" strike="noStrike" cap="none" normalizeH="0" baseline="0" dirty="0" smtClean="0">
+              <a:ln>
+                <a:noFill/>
+              </a:ln>
+              <a:solidFill>
+                <a:srgbClr val="000000"/>
+              </a:solidFill>
+              <a:effectLst/>
+              <a:latin typeface="+mn-ea"/>
+              <a:cs typeface="Arial" panose="020B0604020202020204" pitchFamily="34" charset="0"/>
+            </a:endParaRPr>
+          </a:p>
+          <a:p>
+            <a:pPr marL="0" marR="0" lvl="0" indent="0" algn="l" defTabSz="914400" rtl="0" eaLnBrk="0" fontAlgn="base" latinLnBrk="0" hangingPunct="0">
+              <a:lnSpc>
+                <a:spcPct val="100000"/>
+              </a:lnSpc>
+              <a:spcBef>
+                <a:spcPct val="0"/>
+              </a:spcBef>
+              <a:spcAft>
+                <a:spcPct val="0"/>
+              </a:spcAft>
+              <a:buClrTx/>
+              <a:buSzTx/>
+              <a:buFontTx/>
+              <a:buNone/>
+              <a:tabLst/>
+            </a:pPr>
+            <a:r>
+              <a:rPr kumimoji="0" lang="ko-KR" altLang="ko-KR" sz="1400" b="0" i="0" u="none" strike="noStrike" cap="none" normalizeH="0" baseline="0" dirty="0" smtClean="0">
+                <a:ln>
+                  <a:noFill/>
+                </a:ln>
+                <a:solidFill>
+                  <a:srgbClr val="000000"/>
+                </a:solidFill>
+                <a:effectLst/>
+                <a:latin typeface="+mn-ea"/>
+                <a:cs typeface="Arial" panose="020B0604020202020204" pitchFamily="34" charset="0"/>
+              </a:rPr>
+              <a:t>L1:</a:t>
+            </a:r>
+            <a:r>
+              <a:rPr kumimoji="0" lang="ko-KR" altLang="ko-KR" sz="1400" b="0" i="0" u="none" strike="noStrike" cap="none" normalizeH="0" baseline="0" dirty="0" smtClean="0">
+                <a:ln>
+                  <a:noFill/>
+                </a:ln>
+                <a:solidFill>
+                  <a:schemeClr val="tx1"/>
+                </a:solidFill>
+                <a:effectLst/>
+                <a:latin typeface="+mn-ea"/>
+              </a:rPr>
+              <a:t>  </a:t>
+            </a:r>
+            <a:r>
+              <a:rPr kumimoji="0" lang="ko-KR" altLang="ko-KR" sz="1400" b="0" i="0" u="none" strike="noStrike" cap="none" normalizeH="0" baseline="0" dirty="0" smtClean="0">
+                <a:ln>
+                  <a:noFill/>
+                </a:ln>
+                <a:solidFill>
+                  <a:srgbClr val="000000"/>
+                </a:solidFill>
+                <a:effectLst/>
+                <a:latin typeface="+mn-ea"/>
+                <a:cs typeface="Arial" panose="020B0604020202020204" pitchFamily="34" charset="0"/>
+              </a:rPr>
+              <a:t>KNH16C104bA5TS EMI </a:t>
+            </a:r>
+            <a:r>
+              <a:rPr kumimoji="0" lang="ko-KR" altLang="ko-KR" sz="1400" b="0" i="0" u="none" strike="noStrike" cap="none" normalizeH="0" baseline="0" dirty="0" err="1" smtClean="0">
+                <a:ln>
+                  <a:noFill/>
+                </a:ln>
+                <a:solidFill>
+                  <a:srgbClr val="000000"/>
+                </a:solidFill>
+                <a:effectLst/>
+                <a:latin typeface="+mn-ea"/>
+                <a:cs typeface="Arial" panose="020B0604020202020204" pitchFamily="34" charset="0"/>
+              </a:rPr>
+              <a:t>filter</a:t>
+            </a:r>
+            <a:r>
+              <a:rPr kumimoji="0" lang="ko-KR" altLang="ko-KR" sz="1400" b="0" i="0" u="none" strike="noStrike" cap="none" normalizeH="0" baseline="0" dirty="0" smtClean="0">
+                <a:ln>
+                  <a:noFill/>
+                </a:ln>
+                <a:solidFill>
+                  <a:srgbClr val="000000"/>
+                </a:solidFill>
+                <a:effectLst/>
+                <a:latin typeface="+mn-ea"/>
+                <a:cs typeface="Arial" panose="020B0604020202020204" pitchFamily="34" charset="0"/>
+              </a:rPr>
+              <a:t> 삭제</a:t>
+            </a:r>
+            <a:endParaRPr kumimoji="0" lang="ko-KR" altLang="ko-KR" sz="1400" b="0" i="0" u="none" strike="noStrike" cap="none" normalizeH="0" baseline="0" dirty="0" smtClean="0">
+              <a:ln>
+                <a:noFill/>
+              </a:ln>
+              <a:solidFill>
+                <a:schemeClr val="tx1"/>
+              </a:solidFill>
+              <a:effectLst/>
+              <a:latin typeface="+mn-ea"/>
+            </a:endParaRPr>
+          </a:p>
+          <a:p>
+            <a:pPr marL="0" marR="0" lvl="0" indent="0" algn="l" defTabSz="914400" rtl="0" eaLnBrk="0" fontAlgn="base" latinLnBrk="0" hangingPunct="0">
+              <a:lnSpc>
+                <a:spcPct val="100000"/>
+              </a:lnSpc>
+              <a:spcBef>
+                <a:spcPct val="0"/>
+              </a:spcBef>
+              <a:spcAft>
+                <a:spcPct val="0"/>
+              </a:spcAft>
+              <a:buClrTx/>
+              <a:buSzTx/>
+              <a:buFontTx/>
+              <a:buNone/>
+              <a:tabLst/>
+            </a:pPr>
+            <a:r>
+              <a:rPr kumimoji="0" lang="ko-KR" altLang="ko-KR" sz="1400" b="0" i="0" u="none" strike="noStrike" cap="none" normalizeH="0" baseline="0" dirty="0" smtClean="0">
+                <a:ln>
+                  <a:noFill/>
+                </a:ln>
+                <a:solidFill>
+                  <a:srgbClr val="000000"/>
+                </a:solidFill>
+                <a:effectLst/>
+                <a:latin typeface="+mn-ea"/>
+                <a:cs typeface="Arial" panose="020B0604020202020204" pitchFamily="34" charset="0"/>
+              </a:rPr>
+              <a:t>C3:</a:t>
+            </a:r>
+            <a:r>
+              <a:rPr lang="en-US" altLang="ko-KR" sz="1400" dirty="0">
+                <a:latin typeface="+mn-ea"/>
+              </a:rPr>
+              <a:t> </a:t>
+            </a:r>
+            <a:r>
+              <a:rPr kumimoji="0" lang="ko-KR" altLang="ko-KR" sz="1400" b="0" i="0" u="none" strike="noStrike" cap="none" normalizeH="0" baseline="0" dirty="0" smtClean="0">
+                <a:ln>
+                  <a:noFill/>
+                </a:ln>
+                <a:solidFill>
+                  <a:srgbClr val="000000"/>
+                </a:solidFill>
+                <a:effectLst/>
+                <a:latin typeface="+mn-ea"/>
+                <a:cs typeface="Arial" panose="020B0604020202020204" pitchFamily="34" charset="0"/>
+              </a:rPr>
+              <a:t>CC0402KRX7R7BB103(311-1042-1-ND)   =&gt;  GRM155R7103KA01J(490-6326-1-ND) 변경</a:t>
+            </a:r>
+            <a:endParaRPr kumimoji="0" lang="ko-KR" altLang="ko-KR" sz="1400" b="0" i="0" u="none" strike="noStrike" cap="none" normalizeH="0" baseline="0" dirty="0" smtClean="0">
+              <a:ln>
+                <a:noFill/>
+              </a:ln>
+              <a:solidFill>
+                <a:schemeClr val="tx1"/>
+              </a:solidFill>
+              <a:effectLst/>
+              <a:latin typeface="+mn-ea"/>
+            </a:endParaRPr>
+          </a:p>
+        </p:txBody>
+      </p:sp>
+      <p:pic>
+        <p:nvPicPr>
+          <p:cNvPr id="6" name="그림 5"/>
+          <p:cNvPicPr>
+            <a:picLocks noChangeAspect="1"/>
+          </p:cNvPicPr>
+          <p:nvPr/>
+        </p:nvPicPr>
+        <p:blipFill>
+          <a:blip r:embed="rId4"/>
+          <a:stretch>
+            <a:fillRect/>
+          </a:stretch>
+        </p:blipFill>
+        <p:spPr>
+          <a:xfrm>
+            <a:off x="711201" y="2187571"/>
+            <a:ext cx="8516620" cy="1663754"/>
+          </a:xfrm>
+          <a:prstGeom prst="rect">
+            <a:avLst/>
+          </a:prstGeom>
+        </p:spPr>
+      </p:pic>
+      <p:sp>
+        <p:nvSpPr>
+          <p:cNvPr id="10" name="직사각형 9"/>
+          <p:cNvSpPr/>
+          <p:nvPr/>
+        </p:nvSpPr>
+        <p:spPr>
+          <a:xfrm>
+            <a:off x="7729582" y="5968484"/>
+            <a:ext cx="3647986" cy="369332"/>
+          </a:xfrm>
+          <a:prstGeom prst="rect">
+            <a:avLst/>
+          </a:prstGeom>
+        </p:spPr>
+        <p:txBody>
+          <a:bodyPr wrap="none">
+            <a:spAutoFit/>
+          </a:bodyPr>
+          <a:lstStyle/>
+          <a:p>
+            <a:r>
+              <a:rPr lang="en-US" altLang="ko-KR" dirty="0" err="1">
+                <a:latin typeface="맑은 고딕" panose="020B0503020000020004" pitchFamily="50" charset="-127"/>
+              </a:rPr>
+              <a:t>DigiKey</a:t>
+            </a:r>
+            <a:r>
+              <a:rPr lang="en-US" altLang="ko-KR" dirty="0">
+                <a:latin typeface="맑은 고딕" panose="020B0503020000020004" pitchFamily="50" charset="-127"/>
+              </a:rPr>
+              <a:t> : </a:t>
+            </a:r>
+            <a:r>
+              <a:rPr lang="en-US" altLang="ko-KR" dirty="0">
+                <a:latin typeface="맑은 고딕" panose="020B0503020000020004" pitchFamily="50" charset="-127"/>
+                <a:hlinkClick r:id="rId5"/>
+              </a:rPr>
+              <a:t>https://www.digikey.kr/</a:t>
+            </a:r>
+            <a:r>
+              <a:rPr lang="en-US" altLang="ko-KR" dirty="0">
+                <a:latin typeface="맑은 고딕" panose="020B0503020000020004" pitchFamily="50" charset="-127"/>
+              </a:rPr>
+              <a:t> </a:t>
+            </a:r>
+            <a:endParaRPr lang="ko-KR" altLang="en-US" dirty="0"/>
+          </a:p>
+        </p:txBody>
+      </p:sp>
+    </p:spTree>
+    <p:extLst>
+      <p:ext uri="{BB962C8B-B14F-4D97-AF65-F5344CB8AC3E}">
+        <p14:creationId xmlns:p14="http://schemas.microsoft.com/office/powerpoint/2010/main" val="2391134826"/>
+      </p:ext>
+    </p:extLst>
+  </p:cSld>
+  <p:clrMapOvr>
+    <a:masterClrMapping/>
+  </p:clrMapOvr>
+  <mc:AlternateContent xmlns:mc="http://schemas.openxmlformats.org/markup-compatibility/2006" xmlns:p14="http://schemas.microsoft.com/office/powerpoint/2010/main">
+    <mc:Choice Requires="p14">
+      <p:transition spd="med" p14:dur="700">
+        <p:fade/>
+      </p:transition>
+    </mc:Choice>
+    <mc:Fallback xmlns="">
+      <p:transition spd="med">
+        <p:fade/>
+      </p:transition>
+    </mc:Fallback>
+  </mc:AlternateContent>
+  <p:timing>
+    <p:tnLst>
+      <p:par>
+        <p:cTn id="1" dur="indefinite" restart="never" nodeType="tmRoot"/>
+      </p:par>
+    </p:tnLst>
+  </p:timing>
+</p:sld>
+</file>
+
+<file path=ppt/slides/slide12.xml><?xml version="1.0" encoding="utf-8"?>
+<p:sld xmlns:a="http://schemas.openxmlformats.org/drawingml/2006/main" xmlns:r="http://schemas.openxmlformats.org/officeDocument/2006/relationships" xmlns:p="http://schemas.openxmlformats.org/presentationml/2006/main">
+  <p:cSld>
+    <p:spTree>
+      <p:nvGrpSpPr>
+        <p:cNvPr id="1" name=""/>
+        <p:cNvGrpSpPr/>
+        <p:nvPr/>
+      </p:nvGrpSpPr>
+      <p:grpSpPr>
+        <a:xfrm>
+          <a:off x="0" y="0"/>
+          <a:ext cx="0" cy="0"/>
+          <a:chOff x="0" y="0"/>
+          <a:chExt cx="0" cy="0"/>
+        </a:xfrm>
+      </p:grpSpPr>
+      <p:sp>
+        <p:nvSpPr>
+          <p:cNvPr id="3" name="제목 2"/>
+          <p:cNvSpPr>
+            <a:spLocks noGrp="1"/>
+          </p:cNvSpPr>
+          <p:nvPr>
+            <p:ph type="title"/>
+          </p:nvPr>
+        </p:nvSpPr>
+        <p:spPr/>
+        <p:txBody>
+          <a:bodyPr vert="horz" lIns="0" rIns="0" bIns="0" rtlCol="0" anchor="b">
+            <a:normAutofit/>
+          </a:bodyPr>
+          <a:lstStyle/>
+          <a:p>
+            <a:pPr marL="457200" indent="-457200">
+              <a:buFont typeface="Wingdings" panose="05000000000000000000" pitchFamily="2" charset="2"/>
+              <a:buChar char="Ø"/>
+            </a:pPr>
+            <a:r>
+              <a:rPr lang="en-US" altLang="ko-KR" sz="2800" dirty="0">
+                <a:solidFill>
+                  <a:schemeClr val="tx1"/>
+                </a:solidFill>
+              </a:rPr>
               <a:t>MOUSER BOM </a:t>
             </a:r>
             <a:r>
@@ -8574,7 +8954,7 @@
 </p:sld>
 </file>
 
-<file path=ppt/slides/slide12.xml><?xml version="1.0" encoding="utf-8"?>
+<file path=ppt/slides/slide13.xml><?xml version="1.0" encoding="utf-8"?>
 <p:sld xmlns:a="http://schemas.openxmlformats.org/drawingml/2006/main" xmlns:r="http://schemas.openxmlformats.org/officeDocument/2006/relationships" xmlns:p="http://schemas.openxmlformats.org/presentationml/2006/main">
   <p:cSld>
     <p:spTree>
@@ -9115,7 +9495,7 @@
 </p:sld>
 </file>
 
-<file path=ppt/slides/slide13.xml><?xml version="1.0" encoding="utf-8"?>
+<file path=ppt/slides/slide14.xml><?xml version="1.0" encoding="utf-8"?>
 <p:sld xmlns:a="http://schemas.openxmlformats.org/drawingml/2006/main" xmlns:r="http://schemas.openxmlformats.org/officeDocument/2006/relationships" xmlns:p="http://schemas.openxmlformats.org/presentationml/2006/main">
   <p:cSld>
     <p:spTree>
@@ -9341,7 +9721,7 @@
           <a:graphicData uri="http://schemas.openxmlformats.org/presentationml/2006/ole">
             <mc:AlternateContent xmlns:mc="http://schemas.openxmlformats.org/markup-compatibility/2006">
               <mc:Choice xmlns:v="urn:schemas-microsoft-com:vml" Requires="v">
-                <p:oleObj spid="_x0000_s17429" name="포장기 셸 개체" showAsIcon="1" r:id="rId7" imgW="1887120" imgH="550800" progId="Package">
+                <p:oleObj spid="_x0000_s17431" name="포장기 셸 개체" showAsIcon="1" r:id="rId7" imgW="1887120" imgH="550800" progId="Package">
                   <p:embed/>
                 </p:oleObj>
               </mc:Choice>
@@ -9445,7 +9825,7 @@
 </p:sld>
 </file>
 
-<file path=ppt/slides/slide14.xml><?xml version="1.0" encoding="utf-8"?>
+<file path=ppt/slides/slide15.xml><?xml version="1.0" encoding="utf-8"?>
 <p:sld xmlns:a="http://schemas.openxmlformats.org/drawingml/2006/main" xmlns:r="http://schemas.openxmlformats.org/officeDocument/2006/relationships" xmlns:p="http://schemas.openxmlformats.org/presentationml/2006/main">
   <p:cSld>
     <p:spTree>
@@ -9787,7 +10167,7 @@
 </p:sld>
 </file>
 
-<file path=ppt/slides/slide15.xml><?xml version="1.0" encoding="utf-8"?>
+<file path=ppt/slides/slide16.xml><?xml version="1.0" encoding="utf-8"?>
 <p:sld xmlns:a="http://schemas.openxmlformats.org/drawingml/2006/main" xmlns:r="http://schemas.openxmlformats.org/officeDocument/2006/relationships" xmlns:p="http://schemas.openxmlformats.org/presentationml/2006/main">
   <p:cSld>
     <p:spTree>
@@ -10759,513 +11139,6 @@
     <p:extLst>
       <p:ext uri="{BB962C8B-B14F-4D97-AF65-F5344CB8AC3E}">
         <p14:creationId xmlns:p14="http://schemas.microsoft.com/office/powerpoint/2010/main" val="1780583099"/>
-      </p:ext>
-    </p:extLst>
-  </p:cSld>
-  <p:clrMapOvr>
-    <a:masterClrMapping/>
-  </p:clrMapOvr>
-  <mc:AlternateContent xmlns:mc="http://schemas.openxmlformats.org/markup-compatibility/2006" xmlns:p14="http://schemas.microsoft.com/office/powerpoint/2010/main">
-    <mc:Choice Requires="p14">
-      <p:transition spd="med" p14:dur="700">
-        <p:fade/>
-      </p:transition>
-    </mc:Choice>
-    <mc:Fallback xmlns="">
-      <p:transition spd="med">
-        <p:fade/>
-      </p:transition>
-    </mc:Fallback>
-  </mc:AlternateContent>
-  <p:timing>
-    <p:tnLst>
-      <p:par>
-        <p:cTn id="1" dur="indefinite" restart="never" nodeType="tmRoot"/>
-      </p:par>
-    </p:tnLst>
-  </p:timing>
-</p:sld>
-</file>
-
-<file path=ppt/slides/slide16.xml><?xml version="1.0" encoding="utf-8"?>
-<p:sld xmlns:a="http://schemas.openxmlformats.org/drawingml/2006/main" xmlns:r="http://schemas.openxmlformats.org/officeDocument/2006/relationships" xmlns:p="http://schemas.openxmlformats.org/presentationml/2006/main">
-  <p:cSld>
-    <p:spTree>
-      <p:nvGrpSpPr>
-        <p:cNvPr id="1" name=""/>
-        <p:cNvGrpSpPr/>
-        <p:nvPr/>
-      </p:nvGrpSpPr>
-      <p:grpSpPr>
-        <a:xfrm>
-          <a:off x="0" y="0"/>
-          <a:ext cx="0" cy="0"/>
-          <a:chOff x="0" y="0"/>
-          <a:chExt cx="0" cy="0"/>
-        </a:xfrm>
-      </p:grpSpPr>
-      <p:sp>
-        <p:nvSpPr>
-          <p:cNvPr id="3" name="제목 2"/>
-          <p:cNvSpPr>
-            <a:spLocks noGrp="1"/>
-          </p:cNvSpPr>
-          <p:nvPr>
-            <p:ph type="title"/>
-          </p:nvPr>
-        </p:nvSpPr>
-        <p:spPr>
-          <a:xfrm>
-            <a:off x="711200" y="735631"/>
-            <a:ext cx="10972800" cy="913647"/>
-          </a:xfrm>
-        </p:spPr>
-        <p:txBody>
-          <a:bodyPr vert="horz" lIns="0" rIns="0" bIns="0" rtlCol="0" anchor="b">
-            <a:normAutofit/>
-          </a:bodyPr>
-          <a:lstStyle/>
-          <a:p>
-            <a:pPr marL="457200" indent="-457200">
-              <a:buFont typeface="Wingdings" panose="05000000000000000000" pitchFamily="2" charset="2"/>
-              <a:buChar char="Ø"/>
-            </a:pPr>
-            <a:r>
-              <a:rPr lang="en-US" altLang="ko-KR" sz="2800" dirty="0" smtClean="0">
-                <a:solidFill>
-                  <a:schemeClr val="tx1"/>
-                </a:solidFill>
-              </a:rPr>
-              <a:t>IMU Sensor</a:t>
-            </a:r>
-            <a:endParaRPr lang="ko-KR" altLang="en-US" sz="2800" dirty="0">
-              <a:solidFill>
-                <a:schemeClr val="tx1"/>
-              </a:solidFill>
-            </a:endParaRPr>
-          </a:p>
-        </p:txBody>
-      </p:sp>
-      <p:pic>
-        <p:nvPicPr>
-          <p:cNvPr id="4" name="그림 3"/>
-          <p:cNvPicPr>
-            <a:picLocks noChangeAspect="1"/>
-          </p:cNvPicPr>
-          <p:nvPr/>
-        </p:nvPicPr>
-        <p:blipFill>
-          <a:blip r:embed="rId3">
-            <a:extLst>
-              <a:ext uri="{28A0092B-C50C-407E-A947-70E740481C1C}">
-                <a14:useLocalDpi xmlns:a14="http://schemas.microsoft.com/office/drawing/2010/main" val="0"/>
-              </a:ext>
-            </a:extLst>
-          </a:blip>
-          <a:stretch>
-            <a:fillRect/>
-          </a:stretch>
-        </p:blipFill>
-        <p:spPr>
-          <a:xfrm>
-            <a:off x="99304" y="0"/>
-            <a:ext cx="611896" cy="581301"/>
-          </a:xfrm>
-          <a:prstGeom prst="rect">
-            <a:avLst/>
-          </a:prstGeom>
-        </p:spPr>
-      </p:pic>
-      <p:sp>
-        <p:nvSpPr>
-          <p:cNvPr id="5" name="TextBox 4"/>
-          <p:cNvSpPr txBox="1"/>
-          <p:nvPr/>
-        </p:nvSpPr>
-        <p:spPr>
-          <a:xfrm>
-            <a:off x="1103870" y="2233650"/>
-            <a:ext cx="5972432" cy="1877437"/>
-          </a:xfrm>
-          <a:prstGeom prst="rect">
-            <a:avLst/>
-          </a:prstGeom>
-          <a:noFill/>
-          <a:ln>
-            <a:solidFill>
-              <a:schemeClr val="bg2"/>
-            </a:solidFill>
-          </a:ln>
-        </p:spPr>
-        <p:txBody>
-          <a:bodyPr wrap="square" rtlCol="0">
-            <a:spAutoFit/>
-          </a:bodyPr>
-          <a:lstStyle/>
-          <a:p>
-            <a:r>
-              <a:rPr lang="ko-KR" altLang="en-US" dirty="0" err="1" smtClean="0">
-                <a:latin typeface="+mn-ea"/>
-              </a:rPr>
-              <a:t>자력계</a:t>
-            </a:r>
-            <a:r>
-              <a:rPr lang="en-US" altLang="ko-KR" dirty="0" smtClean="0">
-                <a:latin typeface="+mn-ea"/>
-              </a:rPr>
-              <a:t>(magnetometer) </a:t>
-            </a:r>
-          </a:p>
-          <a:p>
-            <a:pPr marL="285750" indent="-285750">
-              <a:buFont typeface="Arial" panose="020B0604020202020204" pitchFamily="34" charset="0"/>
-              <a:buChar char="•"/>
-            </a:pPr>
-            <a:r>
-              <a:rPr lang="ko-KR" altLang="en-US" sz="1400" dirty="0" smtClean="0">
-                <a:latin typeface="+mn-ea"/>
-              </a:rPr>
-              <a:t>나침반 기능 </a:t>
-            </a:r>
-            <a:r>
-              <a:rPr lang="en-US" altLang="ko-KR" sz="1400" dirty="0" smtClean="0">
-                <a:latin typeface="+mn-ea"/>
-              </a:rPr>
-              <a:t>: </a:t>
-            </a:r>
-            <a:r>
-              <a:rPr lang="ko-KR" altLang="en-US" sz="1400" dirty="0" err="1" smtClean="0">
-                <a:latin typeface="+mn-ea"/>
-              </a:rPr>
-              <a:t>자북을</a:t>
-            </a:r>
-            <a:r>
-              <a:rPr lang="ko-KR" altLang="en-US" sz="1400" dirty="0" smtClean="0">
-                <a:latin typeface="+mn-ea"/>
-              </a:rPr>
-              <a:t> 측정하여 </a:t>
-            </a:r>
-            <a:r>
-              <a:rPr lang="ko-KR" altLang="en-US" sz="1400" dirty="0" err="1" smtClean="0">
-                <a:latin typeface="+mn-ea"/>
-              </a:rPr>
-              <a:t>드론의</a:t>
-            </a:r>
-            <a:r>
-              <a:rPr lang="ko-KR" altLang="en-US" sz="1400" dirty="0" smtClean="0">
-                <a:latin typeface="+mn-ea"/>
-              </a:rPr>
-              <a:t> 방향 정보 생성</a:t>
-            </a:r>
-            <a:endParaRPr lang="en-US" altLang="ko-KR" sz="1400" dirty="0" smtClean="0">
-              <a:latin typeface="+mn-ea"/>
-            </a:endParaRPr>
-          </a:p>
-          <a:p>
-            <a:pPr marL="285750" indent="-285750">
-              <a:buFont typeface="Arial" panose="020B0604020202020204" pitchFamily="34" charset="0"/>
-              <a:buChar char="•"/>
-            </a:pPr>
-            <a:endParaRPr lang="en-US" altLang="ko-KR" sz="1400" dirty="0" smtClean="0">
-              <a:latin typeface="+mn-ea"/>
-            </a:endParaRPr>
-          </a:p>
-          <a:p>
-            <a:pPr marL="285750" indent="-285750">
-              <a:buFont typeface="Arial" panose="020B0604020202020204" pitchFamily="34" charset="0"/>
-              <a:buChar char="•"/>
-            </a:pPr>
-            <a:r>
-              <a:rPr lang="ko-KR" altLang="en-US" sz="1400" dirty="0" smtClean="0">
-                <a:latin typeface="+mn-ea"/>
-              </a:rPr>
-              <a:t>주변의 자성을 띄는 물체에 영향을 받기때문에 </a:t>
-            </a:r>
-            <a:r>
-              <a:rPr lang="ko-KR" altLang="en-US" sz="1400" dirty="0" err="1" smtClean="0">
-                <a:latin typeface="+mn-ea"/>
-              </a:rPr>
-              <a:t>드론</a:t>
-            </a:r>
-            <a:r>
-              <a:rPr lang="ko-KR" altLang="en-US" sz="1400" dirty="0" smtClean="0">
-                <a:latin typeface="+mn-ea"/>
-              </a:rPr>
-              <a:t> </a:t>
-            </a:r>
-            <a:r>
-              <a:rPr lang="ko-KR" altLang="en-US" sz="1400" dirty="0" err="1" smtClean="0">
-                <a:latin typeface="+mn-ea"/>
-              </a:rPr>
-              <a:t>켈리브레이션을</a:t>
-            </a:r>
-            <a:r>
-              <a:rPr lang="ko-KR" altLang="en-US" sz="1400" dirty="0" smtClean="0">
-                <a:latin typeface="+mn-ea"/>
-              </a:rPr>
-              <a:t> 모든 부품을 장착한 상태에서 주변에 철 구조물이 없는 장소에서 실행</a:t>
-            </a:r>
-            <a:endParaRPr lang="en-US" altLang="ko-KR" sz="1400" dirty="0">
-              <a:latin typeface="+mn-ea"/>
-            </a:endParaRPr>
-          </a:p>
-          <a:p>
-            <a:r>
-              <a:rPr lang="ko-KR" altLang="en-US" sz="1400" dirty="0" smtClean="0">
-                <a:latin typeface="+mn-ea"/>
-              </a:rPr>
-              <a:t> </a:t>
-            </a:r>
-            <a:endParaRPr lang="en-US" altLang="ko-KR" sz="1400" dirty="0" smtClean="0">
-              <a:latin typeface="+mn-ea"/>
-            </a:endParaRPr>
-          </a:p>
-          <a:p>
-            <a:pPr marL="285750" indent="-285750">
-              <a:buFont typeface="Arial" panose="020B0604020202020204" pitchFamily="34" charset="0"/>
-              <a:buChar char="•"/>
-            </a:pPr>
-            <a:r>
-              <a:rPr lang="ko-KR" altLang="en-US" sz="1400" dirty="0" smtClean="0">
-                <a:latin typeface="+mn-ea"/>
-              </a:rPr>
-              <a:t>일정 위도 이상에서는 사용이 제한됨</a:t>
-            </a:r>
-            <a:endParaRPr lang="en-US" altLang="ko-KR" sz="1400" dirty="0" smtClean="0">
-              <a:latin typeface="+mn-ea"/>
-            </a:endParaRPr>
-          </a:p>
-        </p:txBody>
-      </p:sp>
-      <p:sp>
-        <p:nvSpPr>
-          <p:cNvPr id="10" name="TextBox 9"/>
-          <p:cNvSpPr txBox="1"/>
-          <p:nvPr/>
-        </p:nvSpPr>
-        <p:spPr>
-          <a:xfrm>
-            <a:off x="1103870" y="4048898"/>
-            <a:ext cx="5972432" cy="1015663"/>
-          </a:xfrm>
-          <a:prstGeom prst="rect">
-            <a:avLst/>
-          </a:prstGeom>
-          <a:noFill/>
-          <a:ln>
-            <a:solidFill>
-              <a:schemeClr val="bg2"/>
-            </a:solidFill>
-          </a:ln>
-        </p:spPr>
-        <p:txBody>
-          <a:bodyPr wrap="square" rtlCol="0">
-            <a:spAutoFit/>
-          </a:bodyPr>
-          <a:lstStyle/>
-          <a:p>
-            <a:r>
-              <a:rPr lang="en-US" altLang="ko-KR" dirty="0" smtClean="0">
-                <a:latin typeface="+mn-ea"/>
-              </a:rPr>
-              <a:t>3</a:t>
-            </a:r>
-            <a:r>
-              <a:rPr lang="ko-KR" altLang="en-US" dirty="0" smtClean="0">
-                <a:latin typeface="+mn-ea"/>
-              </a:rPr>
-              <a:t>축 </a:t>
-            </a:r>
-            <a:r>
-              <a:rPr lang="ko-KR" altLang="en-US" dirty="0" err="1" smtClean="0">
-                <a:latin typeface="+mn-ea"/>
-              </a:rPr>
-              <a:t>자이로스코프</a:t>
-            </a:r>
-            <a:r>
-              <a:rPr lang="ko-KR" altLang="en-US" dirty="0" smtClean="0">
-                <a:latin typeface="+mn-ea"/>
-              </a:rPr>
-              <a:t>(</a:t>
-            </a:r>
-            <a:r>
-              <a:rPr lang="en-US" altLang="ko-KR" dirty="0">
-                <a:latin typeface="+mn-ea"/>
-              </a:rPr>
-              <a:t>gyroscope</a:t>
-            </a:r>
-            <a:r>
-              <a:rPr lang="en-US" altLang="ko-KR" dirty="0" smtClean="0">
-                <a:latin typeface="+mn-ea"/>
-              </a:rPr>
-              <a:t>)</a:t>
-            </a:r>
-          </a:p>
-          <a:p>
-            <a:pPr marL="285750" indent="-285750">
-              <a:buFont typeface="Arial" panose="020B0604020202020204" pitchFamily="34" charset="0"/>
-              <a:buChar char="•"/>
-            </a:pPr>
-            <a:r>
-              <a:rPr lang="ko-KR" altLang="en-US" sz="1400" dirty="0" err="1" smtClean="0">
-                <a:latin typeface="+mn-ea"/>
-              </a:rPr>
-              <a:t>드론의</a:t>
-            </a:r>
-            <a:r>
-              <a:rPr lang="ko-KR" altLang="en-US" sz="1400" dirty="0" smtClean="0">
-                <a:latin typeface="+mn-ea"/>
-              </a:rPr>
-              <a:t> 수평 유지</a:t>
-            </a:r>
-            <a:endParaRPr lang="en-US" altLang="ko-KR" sz="1400" dirty="0" smtClean="0">
-              <a:latin typeface="+mn-ea"/>
-            </a:endParaRPr>
-          </a:p>
-          <a:p>
-            <a:pPr marL="285750" indent="-285750">
-              <a:buFont typeface="Arial" panose="020B0604020202020204" pitchFamily="34" charset="0"/>
-              <a:buChar char="•"/>
-            </a:pPr>
-            <a:endParaRPr lang="en-US" altLang="ko-KR" sz="1400" dirty="0" smtClean="0">
-              <a:latin typeface="+mn-ea"/>
-            </a:endParaRPr>
-          </a:p>
-          <a:p>
-            <a:pPr marL="285750" indent="-285750">
-              <a:buFont typeface="Arial" panose="020B0604020202020204" pitchFamily="34" charset="0"/>
-              <a:buChar char="•"/>
-            </a:pPr>
-            <a:r>
-              <a:rPr lang="ko-KR" altLang="en-US" sz="1400" dirty="0" smtClean="0">
-                <a:latin typeface="+mn-ea"/>
-              </a:rPr>
-              <a:t>세 축 방향의 각 가속도를 측정하여 </a:t>
-            </a:r>
-            <a:r>
-              <a:rPr lang="ko-KR" altLang="en-US" sz="1400" dirty="0" err="1" smtClean="0">
-                <a:latin typeface="+mn-ea"/>
-              </a:rPr>
-              <a:t>드론의</a:t>
-            </a:r>
-            <a:r>
-              <a:rPr lang="ko-KR" altLang="en-US" sz="1400" dirty="0" smtClean="0">
-                <a:latin typeface="+mn-ea"/>
-              </a:rPr>
-              <a:t> 기울기를 측정</a:t>
-            </a:r>
-            <a:endParaRPr lang="en-US" altLang="ko-KR" sz="1400" dirty="0" smtClean="0">
-              <a:latin typeface="+mn-ea"/>
-            </a:endParaRPr>
-          </a:p>
-        </p:txBody>
-      </p:sp>
-      <p:sp>
-        <p:nvSpPr>
-          <p:cNvPr id="11" name="TextBox 10"/>
-          <p:cNvSpPr txBox="1"/>
-          <p:nvPr/>
-        </p:nvSpPr>
-        <p:spPr>
-          <a:xfrm>
-            <a:off x="1103870" y="5217816"/>
-            <a:ext cx="5972432" cy="800219"/>
-          </a:xfrm>
-          <a:prstGeom prst="rect">
-            <a:avLst/>
-          </a:prstGeom>
-          <a:noFill/>
-          <a:ln>
-            <a:solidFill>
-              <a:schemeClr val="bg2"/>
-            </a:solidFill>
-          </a:ln>
-        </p:spPr>
-        <p:txBody>
-          <a:bodyPr wrap="square" rtlCol="0">
-            <a:spAutoFit/>
-          </a:bodyPr>
-          <a:lstStyle/>
-          <a:p>
-            <a:r>
-              <a:rPr lang="en-US" altLang="ko-KR" dirty="0" smtClean="0">
-                <a:latin typeface="+mn-ea"/>
-              </a:rPr>
-              <a:t>3</a:t>
-            </a:r>
-            <a:r>
-              <a:rPr lang="ko-KR" altLang="en-US" dirty="0" smtClean="0">
-                <a:latin typeface="+mn-ea"/>
-              </a:rPr>
-              <a:t>축 가속도계</a:t>
-            </a:r>
-            <a:r>
-              <a:rPr lang="en-US" altLang="ko-KR" dirty="0" smtClean="0">
-                <a:latin typeface="+mn-ea"/>
-              </a:rPr>
-              <a:t>(</a:t>
-            </a:r>
-            <a:r>
-              <a:rPr lang="en-US" altLang="ko-KR" dirty="0">
-                <a:latin typeface="+mn-ea"/>
-              </a:rPr>
-              <a:t>Accelerometer</a:t>
-            </a:r>
-            <a:r>
-              <a:rPr lang="en-US" altLang="ko-KR" dirty="0" smtClean="0">
-                <a:latin typeface="+mn-ea"/>
-              </a:rPr>
-              <a:t>)</a:t>
-            </a:r>
-          </a:p>
-          <a:p>
-            <a:pPr marL="285750" indent="-285750">
-              <a:buFont typeface="Arial" panose="020B0604020202020204" pitchFamily="34" charset="0"/>
-              <a:buChar char="•"/>
-            </a:pPr>
-            <a:r>
-              <a:rPr lang="ko-KR" altLang="en-US" sz="1400" dirty="0" err="1" smtClean="0">
-                <a:latin typeface="+mn-ea"/>
-              </a:rPr>
-              <a:t>자이로스코프의</a:t>
-            </a:r>
-            <a:r>
-              <a:rPr lang="ko-KR" altLang="en-US" sz="1400" dirty="0" smtClean="0">
-                <a:latin typeface="+mn-ea"/>
-              </a:rPr>
-              <a:t> 오차를 보정 </a:t>
-            </a:r>
-            <a:endParaRPr lang="en-US" altLang="ko-KR" sz="1400" dirty="0" smtClean="0">
-              <a:latin typeface="+mn-ea"/>
-            </a:endParaRPr>
-          </a:p>
-          <a:p>
-            <a:pPr marL="285750" indent="-285750">
-              <a:buFont typeface="Arial" panose="020B0604020202020204" pitchFamily="34" charset="0"/>
-              <a:buChar char="•"/>
-            </a:pPr>
-            <a:r>
-              <a:rPr lang="en-US" altLang="ko-KR" sz="1400" dirty="0" smtClean="0">
-                <a:latin typeface="+mn-ea"/>
-              </a:rPr>
-              <a:t>X , Y , Z </a:t>
-            </a:r>
-            <a:r>
-              <a:rPr lang="ko-KR" altLang="en-US" sz="1400" dirty="0" smtClean="0">
-                <a:latin typeface="+mn-ea"/>
-              </a:rPr>
-              <a:t>축의 센서에 가해지는 가속도를 측정</a:t>
-            </a:r>
-            <a:endParaRPr lang="en-US" altLang="ko-KR" sz="1400" dirty="0" smtClean="0">
-              <a:latin typeface="+mn-ea"/>
-            </a:endParaRPr>
-          </a:p>
-        </p:txBody>
-      </p:sp>
-    </p:spTree>
-    <p:extLst>
-      <p:ext uri="{BB962C8B-B14F-4D97-AF65-F5344CB8AC3E}">
-        <p14:creationId xmlns:p14="http://schemas.microsoft.com/office/powerpoint/2010/main" val="1627746158"/>
       </p:ext>
     </p:extLst>
   </p:cSld>
@@ -11343,6 +11216,513 @@
                   <a:schemeClr val="tx1"/>
                 </a:solidFill>
               </a:rPr>
+              <a:t>IMU Sensor</a:t>
+            </a:r>
+            <a:endParaRPr lang="ko-KR" altLang="en-US" sz="2800" dirty="0">
+              <a:solidFill>
+                <a:schemeClr val="tx1"/>
+              </a:solidFill>
+            </a:endParaRPr>
+          </a:p>
+        </p:txBody>
+      </p:sp>
+      <p:pic>
+        <p:nvPicPr>
+          <p:cNvPr id="4" name="그림 3"/>
+          <p:cNvPicPr>
+            <a:picLocks noChangeAspect="1"/>
+          </p:cNvPicPr>
+          <p:nvPr/>
+        </p:nvPicPr>
+        <p:blipFill>
+          <a:blip r:embed="rId3">
+            <a:extLst>
+              <a:ext uri="{28A0092B-C50C-407E-A947-70E740481C1C}">
+                <a14:useLocalDpi xmlns:a14="http://schemas.microsoft.com/office/drawing/2010/main" val="0"/>
+              </a:ext>
+            </a:extLst>
+          </a:blip>
+          <a:stretch>
+            <a:fillRect/>
+          </a:stretch>
+        </p:blipFill>
+        <p:spPr>
+          <a:xfrm>
+            <a:off x="99304" y="0"/>
+            <a:ext cx="611896" cy="581301"/>
+          </a:xfrm>
+          <a:prstGeom prst="rect">
+            <a:avLst/>
+          </a:prstGeom>
+        </p:spPr>
+      </p:pic>
+      <p:sp>
+        <p:nvSpPr>
+          <p:cNvPr id="5" name="TextBox 4"/>
+          <p:cNvSpPr txBox="1"/>
+          <p:nvPr/>
+        </p:nvSpPr>
+        <p:spPr>
+          <a:xfrm>
+            <a:off x="1103870" y="2233650"/>
+            <a:ext cx="5972432" cy="1877437"/>
+          </a:xfrm>
+          <a:prstGeom prst="rect">
+            <a:avLst/>
+          </a:prstGeom>
+          <a:noFill/>
+          <a:ln>
+            <a:solidFill>
+              <a:schemeClr val="bg2"/>
+            </a:solidFill>
+          </a:ln>
+        </p:spPr>
+        <p:txBody>
+          <a:bodyPr wrap="square" rtlCol="0">
+            <a:spAutoFit/>
+          </a:bodyPr>
+          <a:lstStyle/>
+          <a:p>
+            <a:r>
+              <a:rPr lang="ko-KR" altLang="en-US" dirty="0" err="1" smtClean="0">
+                <a:latin typeface="+mn-ea"/>
+              </a:rPr>
+              <a:t>자력계</a:t>
+            </a:r>
+            <a:r>
+              <a:rPr lang="en-US" altLang="ko-KR" dirty="0" smtClean="0">
+                <a:latin typeface="+mn-ea"/>
+              </a:rPr>
+              <a:t>(magnetometer) </a:t>
+            </a:r>
+          </a:p>
+          <a:p>
+            <a:pPr marL="285750" indent="-285750">
+              <a:buFont typeface="Arial" panose="020B0604020202020204" pitchFamily="34" charset="0"/>
+              <a:buChar char="•"/>
+            </a:pPr>
+            <a:r>
+              <a:rPr lang="ko-KR" altLang="en-US" sz="1400" dirty="0" smtClean="0">
+                <a:latin typeface="+mn-ea"/>
+              </a:rPr>
+              <a:t>나침반 기능 </a:t>
+            </a:r>
+            <a:r>
+              <a:rPr lang="en-US" altLang="ko-KR" sz="1400" dirty="0" smtClean="0">
+                <a:latin typeface="+mn-ea"/>
+              </a:rPr>
+              <a:t>: </a:t>
+            </a:r>
+            <a:r>
+              <a:rPr lang="ko-KR" altLang="en-US" sz="1400" dirty="0" err="1" smtClean="0">
+                <a:latin typeface="+mn-ea"/>
+              </a:rPr>
+              <a:t>자북을</a:t>
+            </a:r>
+            <a:r>
+              <a:rPr lang="ko-KR" altLang="en-US" sz="1400" dirty="0" smtClean="0">
+                <a:latin typeface="+mn-ea"/>
+              </a:rPr>
+              <a:t> 측정하여 </a:t>
+            </a:r>
+            <a:r>
+              <a:rPr lang="ko-KR" altLang="en-US" sz="1400" dirty="0" err="1" smtClean="0">
+                <a:latin typeface="+mn-ea"/>
+              </a:rPr>
+              <a:t>드론의</a:t>
+            </a:r>
+            <a:r>
+              <a:rPr lang="ko-KR" altLang="en-US" sz="1400" dirty="0" smtClean="0">
+                <a:latin typeface="+mn-ea"/>
+              </a:rPr>
+              <a:t> 방향 정보 생성</a:t>
+            </a:r>
+            <a:endParaRPr lang="en-US" altLang="ko-KR" sz="1400" dirty="0" smtClean="0">
+              <a:latin typeface="+mn-ea"/>
+            </a:endParaRPr>
+          </a:p>
+          <a:p>
+            <a:pPr marL="285750" indent="-285750">
+              <a:buFont typeface="Arial" panose="020B0604020202020204" pitchFamily="34" charset="0"/>
+              <a:buChar char="•"/>
+            </a:pPr>
+            <a:endParaRPr lang="en-US" altLang="ko-KR" sz="1400" dirty="0" smtClean="0">
+              <a:latin typeface="+mn-ea"/>
+            </a:endParaRPr>
+          </a:p>
+          <a:p>
+            <a:pPr marL="285750" indent="-285750">
+              <a:buFont typeface="Arial" panose="020B0604020202020204" pitchFamily="34" charset="0"/>
+              <a:buChar char="•"/>
+            </a:pPr>
+            <a:r>
+              <a:rPr lang="ko-KR" altLang="en-US" sz="1400" dirty="0" smtClean="0">
+                <a:latin typeface="+mn-ea"/>
+              </a:rPr>
+              <a:t>주변의 자성을 띄는 물체에 영향을 받기때문에 </a:t>
+            </a:r>
+            <a:r>
+              <a:rPr lang="ko-KR" altLang="en-US" sz="1400" dirty="0" err="1" smtClean="0">
+                <a:latin typeface="+mn-ea"/>
+              </a:rPr>
+              <a:t>드론</a:t>
+            </a:r>
+            <a:r>
+              <a:rPr lang="ko-KR" altLang="en-US" sz="1400" dirty="0" smtClean="0">
+                <a:latin typeface="+mn-ea"/>
+              </a:rPr>
+              <a:t> </a:t>
+            </a:r>
+            <a:r>
+              <a:rPr lang="ko-KR" altLang="en-US" sz="1400" dirty="0" err="1" smtClean="0">
+                <a:latin typeface="+mn-ea"/>
+              </a:rPr>
+              <a:t>켈리브레이션을</a:t>
+            </a:r>
+            <a:r>
+              <a:rPr lang="ko-KR" altLang="en-US" sz="1400" dirty="0" smtClean="0">
+                <a:latin typeface="+mn-ea"/>
+              </a:rPr>
+              <a:t> 모든 부품을 장착한 상태에서 주변에 철 구조물이 없는 장소에서 실행</a:t>
+            </a:r>
+            <a:endParaRPr lang="en-US" altLang="ko-KR" sz="1400" dirty="0">
+              <a:latin typeface="+mn-ea"/>
+            </a:endParaRPr>
+          </a:p>
+          <a:p>
+            <a:r>
+              <a:rPr lang="ko-KR" altLang="en-US" sz="1400" dirty="0" smtClean="0">
+                <a:latin typeface="+mn-ea"/>
+              </a:rPr>
+              <a:t> </a:t>
+            </a:r>
+            <a:endParaRPr lang="en-US" altLang="ko-KR" sz="1400" dirty="0" smtClean="0">
+              <a:latin typeface="+mn-ea"/>
+            </a:endParaRPr>
+          </a:p>
+          <a:p>
+            <a:pPr marL="285750" indent="-285750">
+              <a:buFont typeface="Arial" panose="020B0604020202020204" pitchFamily="34" charset="0"/>
+              <a:buChar char="•"/>
+            </a:pPr>
+            <a:r>
+              <a:rPr lang="ko-KR" altLang="en-US" sz="1400" dirty="0" smtClean="0">
+                <a:latin typeface="+mn-ea"/>
+              </a:rPr>
+              <a:t>일정 위도 이상에서는 사용이 제한됨</a:t>
+            </a:r>
+            <a:endParaRPr lang="en-US" altLang="ko-KR" sz="1400" dirty="0" smtClean="0">
+              <a:latin typeface="+mn-ea"/>
+            </a:endParaRPr>
+          </a:p>
+        </p:txBody>
+      </p:sp>
+      <p:sp>
+        <p:nvSpPr>
+          <p:cNvPr id="10" name="TextBox 9"/>
+          <p:cNvSpPr txBox="1"/>
+          <p:nvPr/>
+        </p:nvSpPr>
+        <p:spPr>
+          <a:xfrm>
+            <a:off x="1103870" y="4048898"/>
+            <a:ext cx="5972432" cy="1015663"/>
+          </a:xfrm>
+          <a:prstGeom prst="rect">
+            <a:avLst/>
+          </a:prstGeom>
+          <a:noFill/>
+          <a:ln>
+            <a:solidFill>
+              <a:schemeClr val="bg2"/>
+            </a:solidFill>
+          </a:ln>
+        </p:spPr>
+        <p:txBody>
+          <a:bodyPr wrap="square" rtlCol="0">
+            <a:spAutoFit/>
+          </a:bodyPr>
+          <a:lstStyle/>
+          <a:p>
+            <a:r>
+              <a:rPr lang="en-US" altLang="ko-KR" dirty="0" smtClean="0">
+                <a:latin typeface="+mn-ea"/>
+              </a:rPr>
+              <a:t>3</a:t>
+            </a:r>
+            <a:r>
+              <a:rPr lang="ko-KR" altLang="en-US" dirty="0" smtClean="0">
+                <a:latin typeface="+mn-ea"/>
+              </a:rPr>
+              <a:t>축 </a:t>
+            </a:r>
+            <a:r>
+              <a:rPr lang="ko-KR" altLang="en-US" dirty="0" err="1" smtClean="0">
+                <a:latin typeface="+mn-ea"/>
+              </a:rPr>
+              <a:t>자이로스코프</a:t>
+            </a:r>
+            <a:r>
+              <a:rPr lang="ko-KR" altLang="en-US" dirty="0" smtClean="0">
+                <a:latin typeface="+mn-ea"/>
+              </a:rPr>
+              <a:t>(</a:t>
+            </a:r>
+            <a:r>
+              <a:rPr lang="en-US" altLang="ko-KR" dirty="0">
+                <a:latin typeface="+mn-ea"/>
+              </a:rPr>
+              <a:t>gyroscope</a:t>
+            </a:r>
+            <a:r>
+              <a:rPr lang="en-US" altLang="ko-KR" dirty="0" smtClean="0">
+                <a:latin typeface="+mn-ea"/>
+              </a:rPr>
+              <a:t>)</a:t>
+            </a:r>
+          </a:p>
+          <a:p>
+            <a:pPr marL="285750" indent="-285750">
+              <a:buFont typeface="Arial" panose="020B0604020202020204" pitchFamily="34" charset="0"/>
+              <a:buChar char="•"/>
+            </a:pPr>
+            <a:r>
+              <a:rPr lang="ko-KR" altLang="en-US" sz="1400" dirty="0" err="1" smtClean="0">
+                <a:latin typeface="+mn-ea"/>
+              </a:rPr>
+              <a:t>드론의</a:t>
+            </a:r>
+            <a:r>
+              <a:rPr lang="ko-KR" altLang="en-US" sz="1400" dirty="0" smtClean="0">
+                <a:latin typeface="+mn-ea"/>
+              </a:rPr>
+              <a:t> 수평 유지</a:t>
+            </a:r>
+            <a:endParaRPr lang="en-US" altLang="ko-KR" sz="1400" dirty="0" smtClean="0">
+              <a:latin typeface="+mn-ea"/>
+            </a:endParaRPr>
+          </a:p>
+          <a:p>
+            <a:pPr marL="285750" indent="-285750">
+              <a:buFont typeface="Arial" panose="020B0604020202020204" pitchFamily="34" charset="0"/>
+              <a:buChar char="•"/>
+            </a:pPr>
+            <a:endParaRPr lang="en-US" altLang="ko-KR" sz="1400" dirty="0" smtClean="0">
+              <a:latin typeface="+mn-ea"/>
+            </a:endParaRPr>
+          </a:p>
+          <a:p>
+            <a:pPr marL="285750" indent="-285750">
+              <a:buFont typeface="Arial" panose="020B0604020202020204" pitchFamily="34" charset="0"/>
+              <a:buChar char="•"/>
+            </a:pPr>
+            <a:r>
+              <a:rPr lang="ko-KR" altLang="en-US" sz="1400" dirty="0" smtClean="0">
+                <a:latin typeface="+mn-ea"/>
+              </a:rPr>
+              <a:t>세 축 방향의 각 가속도를 측정하여 </a:t>
+            </a:r>
+            <a:r>
+              <a:rPr lang="ko-KR" altLang="en-US" sz="1400" dirty="0" err="1" smtClean="0">
+                <a:latin typeface="+mn-ea"/>
+              </a:rPr>
+              <a:t>드론의</a:t>
+            </a:r>
+            <a:r>
+              <a:rPr lang="ko-KR" altLang="en-US" sz="1400" dirty="0" smtClean="0">
+                <a:latin typeface="+mn-ea"/>
+              </a:rPr>
+              <a:t> 기울기를 측정</a:t>
+            </a:r>
+            <a:endParaRPr lang="en-US" altLang="ko-KR" sz="1400" dirty="0" smtClean="0">
+              <a:latin typeface="+mn-ea"/>
+            </a:endParaRPr>
+          </a:p>
+        </p:txBody>
+      </p:sp>
+      <p:sp>
+        <p:nvSpPr>
+          <p:cNvPr id="11" name="TextBox 10"/>
+          <p:cNvSpPr txBox="1"/>
+          <p:nvPr/>
+        </p:nvSpPr>
+        <p:spPr>
+          <a:xfrm>
+            <a:off x="1103870" y="5217816"/>
+            <a:ext cx="5972432" cy="800219"/>
+          </a:xfrm>
+          <a:prstGeom prst="rect">
+            <a:avLst/>
+          </a:prstGeom>
+          <a:noFill/>
+          <a:ln>
+            <a:solidFill>
+              <a:schemeClr val="bg2"/>
+            </a:solidFill>
+          </a:ln>
+        </p:spPr>
+        <p:txBody>
+          <a:bodyPr wrap="square" rtlCol="0">
+            <a:spAutoFit/>
+          </a:bodyPr>
+          <a:lstStyle/>
+          <a:p>
+            <a:r>
+              <a:rPr lang="en-US" altLang="ko-KR" dirty="0" smtClean="0">
+                <a:latin typeface="+mn-ea"/>
+              </a:rPr>
+              <a:t>3</a:t>
+            </a:r>
+            <a:r>
+              <a:rPr lang="ko-KR" altLang="en-US" dirty="0" smtClean="0">
+                <a:latin typeface="+mn-ea"/>
+              </a:rPr>
+              <a:t>축 가속도계</a:t>
+            </a:r>
+            <a:r>
+              <a:rPr lang="en-US" altLang="ko-KR" dirty="0" smtClean="0">
+                <a:latin typeface="+mn-ea"/>
+              </a:rPr>
+              <a:t>(</a:t>
+            </a:r>
+            <a:r>
+              <a:rPr lang="en-US" altLang="ko-KR" dirty="0">
+                <a:latin typeface="+mn-ea"/>
+              </a:rPr>
+              <a:t>Accelerometer</a:t>
+            </a:r>
+            <a:r>
+              <a:rPr lang="en-US" altLang="ko-KR" dirty="0" smtClean="0">
+                <a:latin typeface="+mn-ea"/>
+              </a:rPr>
+              <a:t>)</a:t>
+            </a:r>
+          </a:p>
+          <a:p>
+            <a:pPr marL="285750" indent="-285750">
+              <a:buFont typeface="Arial" panose="020B0604020202020204" pitchFamily="34" charset="0"/>
+              <a:buChar char="•"/>
+            </a:pPr>
+            <a:r>
+              <a:rPr lang="ko-KR" altLang="en-US" sz="1400" dirty="0" err="1" smtClean="0">
+                <a:latin typeface="+mn-ea"/>
+              </a:rPr>
+              <a:t>자이로스코프의</a:t>
+            </a:r>
+            <a:r>
+              <a:rPr lang="ko-KR" altLang="en-US" sz="1400" dirty="0" smtClean="0">
+                <a:latin typeface="+mn-ea"/>
+              </a:rPr>
+              <a:t> 오차를 보정 </a:t>
+            </a:r>
+            <a:endParaRPr lang="en-US" altLang="ko-KR" sz="1400" dirty="0" smtClean="0">
+              <a:latin typeface="+mn-ea"/>
+            </a:endParaRPr>
+          </a:p>
+          <a:p>
+            <a:pPr marL="285750" indent="-285750">
+              <a:buFont typeface="Arial" panose="020B0604020202020204" pitchFamily="34" charset="0"/>
+              <a:buChar char="•"/>
+            </a:pPr>
+            <a:r>
+              <a:rPr lang="en-US" altLang="ko-KR" sz="1400" dirty="0" smtClean="0">
+                <a:latin typeface="+mn-ea"/>
+              </a:rPr>
+              <a:t>X , Y , Z </a:t>
+            </a:r>
+            <a:r>
+              <a:rPr lang="ko-KR" altLang="en-US" sz="1400" dirty="0" smtClean="0">
+                <a:latin typeface="+mn-ea"/>
+              </a:rPr>
+              <a:t>축의 센서에 가해지는 가속도를 측정</a:t>
+            </a:r>
+            <a:endParaRPr lang="en-US" altLang="ko-KR" sz="1400" dirty="0" smtClean="0">
+              <a:latin typeface="+mn-ea"/>
+            </a:endParaRPr>
+          </a:p>
+        </p:txBody>
+      </p:sp>
+    </p:spTree>
+    <p:extLst>
+      <p:ext uri="{BB962C8B-B14F-4D97-AF65-F5344CB8AC3E}">
+        <p14:creationId xmlns:p14="http://schemas.microsoft.com/office/powerpoint/2010/main" val="1627746158"/>
+      </p:ext>
+    </p:extLst>
+  </p:cSld>
+  <p:clrMapOvr>
+    <a:masterClrMapping/>
+  </p:clrMapOvr>
+  <mc:AlternateContent xmlns:mc="http://schemas.openxmlformats.org/markup-compatibility/2006" xmlns:p14="http://schemas.microsoft.com/office/powerpoint/2010/main">
+    <mc:Choice Requires="p14">
+      <p:transition spd="med" p14:dur="700">
+        <p:fade/>
+      </p:transition>
+    </mc:Choice>
+    <mc:Fallback xmlns="">
+      <p:transition spd="med">
+        <p:fade/>
+      </p:transition>
+    </mc:Fallback>
+  </mc:AlternateContent>
+  <p:timing>
+    <p:tnLst>
+      <p:par>
+        <p:cTn id="1" dur="indefinite" restart="never" nodeType="tmRoot"/>
+      </p:par>
+    </p:tnLst>
+  </p:timing>
+</p:sld>
+</file>
+
+<file path=ppt/slides/slide18.xml><?xml version="1.0" encoding="utf-8"?>
+<p:sld xmlns:a="http://schemas.openxmlformats.org/drawingml/2006/main" xmlns:r="http://schemas.openxmlformats.org/officeDocument/2006/relationships" xmlns:p="http://schemas.openxmlformats.org/presentationml/2006/main">
+  <p:cSld>
+    <p:spTree>
+      <p:nvGrpSpPr>
+        <p:cNvPr id="1" name=""/>
+        <p:cNvGrpSpPr/>
+        <p:nvPr/>
+      </p:nvGrpSpPr>
+      <p:grpSpPr>
+        <a:xfrm>
+          <a:off x="0" y="0"/>
+          <a:ext cx="0" cy="0"/>
+          <a:chOff x="0" y="0"/>
+          <a:chExt cx="0" cy="0"/>
+        </a:xfrm>
+      </p:grpSpPr>
+      <p:sp>
+        <p:nvSpPr>
+          <p:cNvPr id="3" name="제목 2"/>
+          <p:cNvSpPr>
+            <a:spLocks noGrp="1"/>
+          </p:cNvSpPr>
+          <p:nvPr>
+            <p:ph type="title"/>
+          </p:nvPr>
+        </p:nvSpPr>
+        <p:spPr>
+          <a:xfrm>
+            <a:off x="711200" y="735631"/>
+            <a:ext cx="10972800" cy="913647"/>
+          </a:xfrm>
+        </p:spPr>
+        <p:txBody>
+          <a:bodyPr vert="horz" lIns="0" rIns="0" bIns="0" rtlCol="0" anchor="b">
+            <a:normAutofit/>
+          </a:bodyPr>
+          <a:lstStyle/>
+          <a:p>
+            <a:pPr marL="457200" indent="-457200">
+              <a:buFont typeface="Wingdings" panose="05000000000000000000" pitchFamily="2" charset="2"/>
+              <a:buChar char="Ø"/>
+            </a:pPr>
+            <a:r>
+              <a:rPr lang="en-US" altLang="ko-KR" sz="2800" dirty="0" smtClean="0">
+                <a:solidFill>
+                  <a:schemeClr val="tx1"/>
+                </a:solidFill>
+              </a:rPr>
               <a:t>Sensor</a:t>
             </a:r>
             <a:endParaRPr lang="ko-KR" altLang="en-US" sz="2800" dirty="0">
@@ -11557,7 +11937,7 @@
 </p:sld>
 </file>
 
-<file path=ppt/slides/slide18.xml><?xml version="1.0" encoding="utf-8"?>
+<file path=ppt/slides/slide19.xml><?xml version="1.0" encoding="utf-8"?>
 <p:sld xmlns:a="http://schemas.openxmlformats.org/drawingml/2006/main" xmlns:r="http://schemas.openxmlformats.org/officeDocument/2006/relationships" xmlns:p="http://schemas.openxmlformats.org/presentationml/2006/main">
   <p:cSld>
     <p:spTree>
@@ -12034,7 +12414,316 @@
 </p:sld>
 </file>
 
-<file path=ppt/slides/slide19.xml><?xml version="1.0" encoding="utf-8"?>
+<file path=ppt/slides/slide2.xml><?xml version="1.0" encoding="utf-8"?>
+<p:sld xmlns:a="http://schemas.openxmlformats.org/drawingml/2006/main" xmlns:r="http://schemas.openxmlformats.org/officeDocument/2006/relationships" xmlns:p="http://schemas.openxmlformats.org/presentationml/2006/main">
+  <p:cSld>
+    <p:spTree>
+      <p:nvGrpSpPr>
+        <p:cNvPr id="1" name=""/>
+        <p:cNvGrpSpPr/>
+        <p:nvPr/>
+      </p:nvGrpSpPr>
+      <p:grpSpPr>
+        <a:xfrm>
+          <a:off x="0" y="0"/>
+          <a:ext cx="0" cy="0"/>
+          <a:chOff x="0" y="0"/>
+          <a:chExt cx="0" cy="0"/>
+        </a:xfrm>
+      </p:grpSpPr>
+      <p:sp>
+        <p:nvSpPr>
+          <p:cNvPr id="2" name="내용 개체 틀 1"/>
+          <p:cNvSpPr>
+            <a:spLocks noGrp="1"/>
+          </p:cNvSpPr>
+          <p:nvPr>
+            <p:ph idx="1"/>
+          </p:nvPr>
+        </p:nvSpPr>
+        <p:spPr/>
+        <p:txBody>
+          <a:bodyPr rtlCol="0">
+            <a:normAutofit/>
+          </a:bodyPr>
+          <a:lstStyle/>
+          <a:p>
+            <a:pPr rtl="0"/>
+            <a:endParaRPr lang="en-US" altLang="ko-KR" dirty="0" smtClean="0"/>
+          </a:p>
+          <a:p>
+            <a:pPr rtl="0"/>
+            <a:r>
+              <a:rPr lang="en-US" altLang="ko-KR" smtClean="0">
+                <a:latin typeface="+mn-ea"/>
+                <a:ea typeface="+mn-ea"/>
+              </a:rPr>
+              <a:t>FMU3</a:t>
+            </a:r>
+            <a:r>
+              <a:rPr lang="ko-KR" altLang="en-US" smtClean="0">
+                <a:latin typeface="+mn-ea"/>
+                <a:ea typeface="+mn-ea"/>
+              </a:rPr>
+              <a:t>의 </a:t>
+            </a:r>
+            <a:r>
+              <a:rPr lang="ko-KR" altLang="en-US" dirty="0" err="1" smtClean="0">
+                <a:latin typeface="+mn-ea"/>
+                <a:ea typeface="+mn-ea"/>
+              </a:rPr>
+              <a:t>회로도를</a:t>
+            </a:r>
+            <a:r>
+              <a:rPr lang="ko-KR" altLang="en-US" dirty="0" smtClean="0">
+                <a:latin typeface="+mn-ea"/>
+                <a:ea typeface="+mn-ea"/>
+              </a:rPr>
+              <a:t> 보고 파워 </a:t>
+            </a:r>
+            <a:r>
+              <a:rPr lang="en-US" altLang="ko-KR" dirty="0" smtClean="0">
+                <a:latin typeface="+mn-ea"/>
+                <a:ea typeface="+mn-ea"/>
+              </a:rPr>
+              <a:t>, </a:t>
+            </a:r>
+            <a:r>
+              <a:rPr lang="ko-KR" altLang="en-US" dirty="0" smtClean="0">
+                <a:latin typeface="+mn-ea"/>
+                <a:ea typeface="+mn-ea"/>
+              </a:rPr>
+              <a:t>센서 부분 </a:t>
+            </a:r>
+            <a:r>
+              <a:rPr lang="en-US" altLang="ko-KR" dirty="0" smtClean="0">
+                <a:latin typeface="+mn-ea"/>
+                <a:ea typeface="+mn-ea"/>
+              </a:rPr>
+              <a:t>PCB</a:t>
+            </a:r>
+            <a:r>
+              <a:rPr lang="ko-KR" altLang="en-US" dirty="0" smtClean="0">
+                <a:latin typeface="+mn-ea"/>
+                <a:ea typeface="+mn-ea"/>
+              </a:rPr>
+              <a:t>보드를 제작 </a:t>
+            </a:r>
+            <a:endParaRPr lang="en-US" altLang="ko-KR" dirty="0" smtClean="0">
+              <a:latin typeface="+mn-ea"/>
+              <a:ea typeface="+mn-ea"/>
+            </a:endParaRPr>
+          </a:p>
+          <a:p>
+            <a:pPr marL="0" indent="0" rtl="0">
+              <a:buNone/>
+            </a:pPr>
+            <a:r>
+              <a:rPr lang="en-US" altLang="ko-KR" dirty="0" smtClean="0">
+                <a:latin typeface="+mn-ea"/>
+                <a:ea typeface="+mn-ea"/>
+              </a:rPr>
+              <a:t>	</a:t>
+            </a:r>
+            <a:endParaRPr lang="en-US" altLang="ko-KR" dirty="0" smtClean="0">
+              <a:latin typeface="+mn-ea"/>
+              <a:ea typeface="+mn-ea"/>
+            </a:endParaRPr>
+          </a:p>
+          <a:p>
+            <a:pPr marL="0" indent="0">
+              <a:buNone/>
+            </a:pPr>
+            <a:r>
+              <a:rPr lang="ko-KR" altLang="en-US" dirty="0">
+                <a:latin typeface="+mn-ea"/>
+                <a:ea typeface="+mn-ea"/>
+              </a:rPr>
+              <a:t>연구</a:t>
+            </a:r>
+            <a:r>
+              <a:rPr lang="en-US" altLang="ko-KR" dirty="0">
+                <a:latin typeface="+mn-ea"/>
+                <a:ea typeface="+mn-ea"/>
+              </a:rPr>
+              <a:t>/</a:t>
+            </a:r>
+            <a:r>
+              <a:rPr lang="ko-KR" altLang="en-US" dirty="0" smtClean="0">
+                <a:latin typeface="+mn-ea"/>
+                <a:ea typeface="+mn-ea"/>
+              </a:rPr>
+              <a:t>조사</a:t>
+            </a:r>
+            <a:r>
+              <a:rPr lang="en-US" altLang="ko-KR" dirty="0" smtClean="0">
+                <a:latin typeface="+mn-ea"/>
+                <a:ea typeface="+mn-ea"/>
+              </a:rPr>
+              <a:t> </a:t>
+            </a:r>
+            <a:r>
+              <a:rPr lang="en-US" altLang="ko-KR" dirty="0">
+                <a:latin typeface="+mn-ea"/>
+                <a:ea typeface="+mn-ea"/>
+              </a:rPr>
+              <a:t>-&gt; </a:t>
+            </a:r>
+            <a:r>
+              <a:rPr lang="ko-KR" altLang="en-US" dirty="0">
+                <a:latin typeface="+mn-ea"/>
+                <a:ea typeface="+mn-ea"/>
+              </a:rPr>
+              <a:t>회로 </a:t>
+            </a:r>
+            <a:r>
+              <a:rPr lang="ko-KR" altLang="en-US" dirty="0" smtClean="0">
+                <a:latin typeface="+mn-ea"/>
+                <a:ea typeface="+mn-ea"/>
+              </a:rPr>
+              <a:t>검토</a:t>
+            </a:r>
+            <a:r>
+              <a:rPr lang="en-US" altLang="ko-KR" dirty="0" smtClean="0">
+                <a:latin typeface="+mn-ea"/>
+                <a:ea typeface="+mn-ea"/>
+              </a:rPr>
+              <a:t> </a:t>
+            </a:r>
+            <a:r>
+              <a:rPr lang="en-US" altLang="ko-KR" dirty="0">
+                <a:latin typeface="+mn-ea"/>
+                <a:ea typeface="+mn-ea"/>
+              </a:rPr>
+              <a:t>-&gt; </a:t>
+            </a:r>
+            <a:r>
+              <a:rPr lang="ko-KR" altLang="en-US" dirty="0" smtClean="0">
+                <a:latin typeface="+mn-ea"/>
+                <a:ea typeface="+mn-ea"/>
+              </a:rPr>
+              <a:t>아트워크</a:t>
+            </a:r>
+            <a:r>
+              <a:rPr lang="en-US" altLang="ko-KR" dirty="0" smtClean="0">
+                <a:latin typeface="+mn-ea"/>
+                <a:ea typeface="+mn-ea"/>
+              </a:rPr>
+              <a:t> </a:t>
+            </a:r>
+            <a:r>
+              <a:rPr lang="en-US" altLang="ko-KR" dirty="0">
+                <a:latin typeface="+mn-ea"/>
+                <a:ea typeface="+mn-ea"/>
+              </a:rPr>
+              <a:t>-&gt; </a:t>
+            </a:r>
+            <a:r>
+              <a:rPr lang="ko-KR" altLang="en-US" dirty="0" smtClean="0">
+                <a:latin typeface="+mn-ea"/>
+                <a:ea typeface="+mn-ea"/>
+              </a:rPr>
+              <a:t>조립</a:t>
+            </a:r>
+            <a:endParaRPr lang="ko-KR" altLang="en-US" dirty="0">
+              <a:latin typeface="+mn-ea"/>
+              <a:ea typeface="+mn-ea"/>
+            </a:endParaRPr>
+          </a:p>
+        </p:txBody>
+      </p:sp>
+      <p:pic>
+        <p:nvPicPr>
+          <p:cNvPr id="4" name="그림 3"/>
+          <p:cNvPicPr>
+            <a:picLocks noChangeAspect="1"/>
+          </p:cNvPicPr>
+          <p:nvPr/>
+        </p:nvPicPr>
+        <p:blipFill>
+          <a:blip r:embed="rId3">
+            <a:extLst>
+              <a:ext uri="{28A0092B-C50C-407E-A947-70E740481C1C}">
+                <a14:useLocalDpi xmlns:a14="http://schemas.microsoft.com/office/drawing/2010/main" val="0"/>
+              </a:ext>
+            </a:extLst>
+          </a:blip>
+          <a:stretch>
+            <a:fillRect/>
+          </a:stretch>
+        </p:blipFill>
+        <p:spPr>
+          <a:xfrm>
+            <a:off x="99304" y="0"/>
+            <a:ext cx="611896" cy="581301"/>
+          </a:xfrm>
+          <a:prstGeom prst="rect">
+            <a:avLst/>
+          </a:prstGeom>
+        </p:spPr>
+      </p:pic>
+      <p:sp>
+        <p:nvSpPr>
+          <p:cNvPr id="5" name="제목 2"/>
+          <p:cNvSpPr>
+            <a:spLocks noGrp="1"/>
+          </p:cNvSpPr>
+          <p:nvPr>
+            <p:ph type="title"/>
+          </p:nvPr>
+        </p:nvSpPr>
+        <p:spPr>
+          <a:xfrm>
+            <a:off x="609600" y="704088"/>
+            <a:ext cx="10972800" cy="1143000"/>
+          </a:xfrm>
+        </p:spPr>
+        <p:txBody>
+          <a:bodyPr rtlCol="0"/>
+          <a:lstStyle/>
+          <a:p>
+            <a:pPr rtl="0"/>
+            <a:r>
+              <a:rPr lang="ko-KR" altLang="en-US" dirty="0" smtClean="0"/>
+              <a:t>목적</a:t>
+            </a:r>
+            <a:endParaRPr lang="ko-KR" altLang="en-US" dirty="0"/>
+          </a:p>
+        </p:txBody>
+      </p:sp>
+    </p:spTree>
+    <p:extLst>
+      <p:ext uri="{BB962C8B-B14F-4D97-AF65-F5344CB8AC3E}">
+        <p14:creationId xmlns:p14="http://schemas.microsoft.com/office/powerpoint/2010/main" val="2843711940"/>
+      </p:ext>
+    </p:extLst>
+  </p:cSld>
+  <p:clrMapOvr>
+    <a:masterClrMapping/>
+  </p:clrMapOvr>
+  <mc:AlternateContent xmlns:mc="http://schemas.openxmlformats.org/markup-compatibility/2006" xmlns:p14="http://schemas.microsoft.com/office/powerpoint/2010/main">
+    <mc:Choice Requires="p14">
+      <p:transition spd="med" p14:dur="700">
+        <p:fade/>
+      </p:transition>
+    </mc:Choice>
+    <mc:Fallback xmlns="">
+      <p:transition spd="med">
+        <p:fade/>
+      </p:transition>
+    </mc:Fallback>
+  </mc:AlternateContent>
+  <p:timing>
+    <p:tnLst>
+      <p:par>
+        <p:cTn id="1" dur="indefinite" restart="never" nodeType="tmRoot"/>
+      </p:par>
+    </p:tnLst>
+  </p:timing>
+</p:sld>
+</file>
+
+<file path=ppt/slides/slide20.xml><?xml version="1.0" encoding="utf-8"?>
 <p:sld xmlns:a="http://schemas.openxmlformats.org/drawingml/2006/main" xmlns:r="http://schemas.openxmlformats.org/officeDocument/2006/relationships" xmlns:p="http://schemas.openxmlformats.org/presentationml/2006/main">
   <p:cSld>
     <p:spTree>
@@ -12501,177 +13190,7 @@
 </p:sld>
 </file>
 
-<file path=ppt/slides/slide2.xml><?xml version="1.0" encoding="utf-8"?>
-<p:sld xmlns:a="http://schemas.openxmlformats.org/drawingml/2006/main" xmlns:r="http://schemas.openxmlformats.org/officeDocument/2006/relationships" xmlns:p="http://schemas.openxmlformats.org/presentationml/2006/main">
-  <p:cSld>
-    <p:spTree>
-      <p:nvGrpSpPr>
-        <p:cNvPr id="1" name=""/>
-        <p:cNvGrpSpPr/>
-        <p:nvPr/>
-      </p:nvGrpSpPr>
-      <p:grpSpPr>
-        <a:xfrm>
-          <a:off x="0" y="0"/>
-          <a:ext cx="0" cy="0"/>
-          <a:chOff x="0" y="0"/>
-          <a:chExt cx="0" cy="0"/>
-        </a:xfrm>
-      </p:grpSpPr>
-      <p:sp>
-        <p:nvSpPr>
-          <p:cNvPr id="2" name="내용 개체 틀 1"/>
-          <p:cNvSpPr>
-            <a:spLocks noGrp="1"/>
-          </p:cNvSpPr>
-          <p:nvPr>
-            <p:ph idx="1"/>
-          </p:nvPr>
-        </p:nvSpPr>
-        <p:spPr/>
-        <p:txBody>
-          <a:bodyPr rtlCol="0">
-            <a:normAutofit/>
-          </a:bodyPr>
-          <a:lstStyle/>
-          <a:p>
-            <a:pPr rtl="0"/>
-            <a:endParaRPr lang="en-US" altLang="ko-KR" dirty="0" smtClean="0"/>
-          </a:p>
-          <a:p>
-            <a:pPr rtl="0"/>
-            <a:r>
-              <a:rPr lang="en-US" altLang="ko-KR" dirty="0" smtClean="0"/>
-              <a:t>05.12 ~ 05.20</a:t>
-            </a:r>
-          </a:p>
-          <a:p>
-            <a:pPr marL="0" indent="0" rtl="0">
-              <a:buNone/>
-            </a:pPr>
-            <a:r>
-              <a:rPr lang="en-US" altLang="ko-KR" dirty="0" smtClean="0"/>
-              <a:t>	</a:t>
-            </a:r>
-            <a:endParaRPr lang="ko-KR" altLang="en-US" dirty="0"/>
-          </a:p>
-          <a:p>
-            <a:pPr rtl="0"/>
-            <a:r>
-              <a:rPr lang="en-US" altLang="ko-KR" dirty="0" smtClean="0"/>
-              <a:t>05.21 ~ 05.28</a:t>
-            </a:r>
-          </a:p>
-          <a:p>
-            <a:pPr rtl="0"/>
-            <a:endParaRPr lang="en-US" altLang="ko-KR" dirty="0"/>
-          </a:p>
-          <a:p>
-            <a:pPr rtl="0"/>
-            <a:r>
-              <a:rPr lang="en-US" altLang="ko-KR" dirty="0" smtClean="0"/>
-              <a:t>05.29 ~ 06.03</a:t>
-            </a:r>
-            <a:endParaRPr lang="ko-KR" altLang="en-US" dirty="0"/>
-          </a:p>
-          <a:p>
-            <a:pPr rtl="0"/>
-            <a:endParaRPr lang="ko-KR" altLang="en-US" dirty="0"/>
-          </a:p>
-        </p:txBody>
-      </p:sp>
-      <p:pic>
-        <p:nvPicPr>
-          <p:cNvPr id="4" name="그림 3"/>
-          <p:cNvPicPr>
-            <a:picLocks noChangeAspect="1"/>
-          </p:cNvPicPr>
-          <p:nvPr/>
-        </p:nvPicPr>
-        <p:blipFill>
-          <a:blip r:embed="rId3">
-            <a:extLst>
-              <a:ext uri="{28A0092B-C50C-407E-A947-70E740481C1C}">
-                <a14:useLocalDpi xmlns:a14="http://schemas.microsoft.com/office/drawing/2010/main" val="0"/>
-              </a:ext>
-            </a:extLst>
-          </a:blip>
-          <a:stretch>
-            <a:fillRect/>
-          </a:stretch>
-        </p:blipFill>
-        <p:spPr>
-          <a:xfrm>
-            <a:off x="99304" y="0"/>
-            <a:ext cx="611896" cy="581301"/>
-          </a:xfrm>
-          <a:prstGeom prst="rect">
-            <a:avLst/>
-          </a:prstGeom>
-        </p:spPr>
-      </p:pic>
-      <p:sp>
-        <p:nvSpPr>
-          <p:cNvPr id="5" name="제목 2"/>
-          <p:cNvSpPr>
-            <a:spLocks noGrp="1"/>
-          </p:cNvSpPr>
-          <p:nvPr>
-            <p:ph type="title"/>
-          </p:nvPr>
-        </p:nvSpPr>
-        <p:spPr>
-          <a:xfrm>
-            <a:off x="609600" y="704088"/>
-            <a:ext cx="10972800" cy="1143000"/>
-          </a:xfrm>
-        </p:spPr>
-        <p:txBody>
-          <a:bodyPr rtlCol="0"/>
-          <a:lstStyle/>
-          <a:p>
-            <a:pPr rtl="0"/>
-            <a:r>
-              <a:rPr lang="ko-KR" altLang="en-US" dirty="0" smtClean="0"/>
-              <a:t>진행 상황</a:t>
-            </a:r>
-            <a:endParaRPr lang="ko-KR" altLang="en-US" dirty="0"/>
-          </a:p>
-        </p:txBody>
-      </p:sp>
-    </p:spTree>
-    <p:extLst>
-      <p:ext uri="{BB962C8B-B14F-4D97-AF65-F5344CB8AC3E}">
-        <p14:creationId xmlns:p14="http://schemas.microsoft.com/office/powerpoint/2010/main" val="1508910272"/>
-      </p:ext>
-    </p:extLst>
-  </p:cSld>
-  <p:clrMapOvr>
-    <a:masterClrMapping/>
-  </p:clrMapOvr>
-  <mc:AlternateContent xmlns:mc="http://schemas.openxmlformats.org/markup-compatibility/2006" xmlns:p14="http://schemas.microsoft.com/office/powerpoint/2010/main">
-    <mc:Choice Requires="p14">
-      <p:transition spd="med" p14:dur="700">
-        <p:fade/>
-      </p:transition>
-    </mc:Choice>
-    <mc:Fallback xmlns="">
-      <p:transition spd="med">
-        <p:fade/>
-      </p:transition>
-    </mc:Fallback>
-  </mc:AlternateContent>
-  <p:timing>
-    <p:tnLst>
-      <p:par>
-        <p:cTn id="1" dur="indefinite" restart="never" nodeType="tmRoot"/>
-      </p:par>
-    </p:tnLst>
-  </p:timing>
-</p:sld>
-</file>
-
-<file path=ppt/slides/slide20.xml><?xml version="1.0" encoding="utf-8"?>
+<file path=ppt/slides/slide21.xml><?xml version="1.0" encoding="utf-8"?>
 <p:sld xmlns:a="http://schemas.openxmlformats.org/drawingml/2006/main" xmlns:r="http://schemas.openxmlformats.org/officeDocument/2006/relationships" xmlns:p="http://schemas.openxmlformats.org/presentationml/2006/main">
   <p:cSld>
     <p:spTree>
@@ -13360,7 +13879,7 @@
 </p:sld>
 </file>
 
-<file path=ppt/slides/slide21.xml><?xml version="1.0" encoding="utf-8"?>
+<file path=ppt/slides/slide22.xml><?xml version="1.0" encoding="utf-8"?>
 <p:sld xmlns:a="http://schemas.openxmlformats.org/drawingml/2006/main" xmlns:r="http://schemas.openxmlformats.org/officeDocument/2006/relationships" xmlns:p="http://schemas.openxmlformats.org/presentationml/2006/main">
   <p:cSld>
     <p:spTree>
@@ -13656,13 +14175,7 @@
               <a:rPr lang="ko-KR" altLang="en-US" sz="1600" dirty="0" smtClean="0">
                 <a:latin typeface="+mn-ea"/>
               </a:rPr>
-              <a:t> 가깝게 </a:t>
-            </a:r>
-            <a:r>
-              <a:rPr lang="ko-KR" altLang="en-US" sz="1600" dirty="0" smtClean="0">
-                <a:latin typeface="+mn-ea"/>
-              </a:rPr>
-              <a:t>추가</a:t>
+              <a:t> 가깝게 추가</a:t>
             </a:r>
             <a:endParaRPr lang="en-US" altLang="ko-KR" sz="1600" dirty="0" smtClean="0">
               <a:latin typeface="+mn-ea"/>
@@ -13865,7 +14378,7 @@
 </p:sld>
 </file>
 
-<file path=ppt/slides/slide22.xml><?xml version="1.0" encoding="utf-8"?>
+<file path=ppt/slides/slide23.xml><?xml version="1.0" encoding="utf-8"?>
 <p:sld xmlns:a="http://schemas.openxmlformats.org/drawingml/2006/main" xmlns:r="http://schemas.openxmlformats.org/officeDocument/2006/relationships" xmlns:p="http://schemas.openxmlformats.org/presentationml/2006/main">
   <p:cSld>
     <p:spTree>
@@ -14271,7 +14784,7 @@
 </p:sld>
 </file>
 
-<file path=ppt/slides/slide23.xml><?xml version="1.0" encoding="utf-8"?>
+<file path=ppt/slides/slide24.xml><?xml version="1.0" encoding="utf-8"?>
 <p:sld xmlns:a="http://schemas.openxmlformats.org/drawingml/2006/main" xmlns:r="http://schemas.openxmlformats.org/officeDocument/2006/relationships" xmlns:p="http://schemas.openxmlformats.org/presentationml/2006/main">
   <p:cSld>
     <p:spTree>
@@ -14474,7 +14987,7 @@
 </p:sld>
 </file>
 
-<file path=ppt/slides/slide24.xml><?xml version="1.0" encoding="utf-8"?>
+<file path=ppt/slides/slide25.xml><?xml version="1.0" encoding="utf-8"?>
 <p:sld xmlns:a="http://schemas.openxmlformats.org/drawingml/2006/main" xmlns:r="http://schemas.openxmlformats.org/officeDocument/2006/relationships" xmlns:p="http://schemas.openxmlformats.org/presentationml/2006/main">
   <p:cSld>
     <p:spTree>
@@ -14987,7 +15500,7 @@
 </p:sld>
 </file>
 
-<file path=ppt/slides/slide25.xml><?xml version="1.0" encoding="utf-8"?>
+<file path=ppt/slides/slide26.xml><?xml version="1.0" encoding="utf-8"?>
 <p:sld xmlns:a="http://schemas.openxmlformats.org/drawingml/2006/main" xmlns:r="http://schemas.openxmlformats.org/officeDocument/2006/relationships" xmlns:p="http://schemas.openxmlformats.org/presentationml/2006/main">
   <p:cSld>
     <p:spTree>
@@ -15206,7 +15719,7 @@
 </p:sld>
 </file>
 
-<file path=ppt/slides/slide26.xml><?xml version="1.0" encoding="utf-8"?>
+<file path=ppt/slides/slide27.xml><?xml version="1.0" encoding="utf-8"?>
 <p:sld xmlns:a="http://schemas.openxmlformats.org/drawingml/2006/main" xmlns:r="http://schemas.openxmlformats.org/officeDocument/2006/relationships" xmlns:p="http://schemas.openxmlformats.org/presentationml/2006/main">
   <p:cSld>
     <p:spTree>
@@ -15624,7 +16137,7 @@
 </p:sld>
 </file>
 
-<file path=ppt/slides/slide27.xml><?xml version="1.0" encoding="utf-8"?>
+<file path=ppt/slides/slide28.xml><?xml version="1.0" encoding="utf-8"?>
 <p:sld xmlns:a="http://schemas.openxmlformats.org/drawingml/2006/main" xmlns:r="http://schemas.openxmlformats.org/officeDocument/2006/relationships" xmlns:p="http://schemas.openxmlformats.org/presentationml/2006/main">
   <p:cSld>
     <p:spTree>
@@ -15853,7 +16366,7 @@
 </p:sld>
 </file>
 
-<file path=ppt/slides/slide28.xml><?xml version="1.0" encoding="utf-8"?>
+<file path=ppt/slides/slide29.xml><?xml version="1.0" encoding="utf-8"?>
 <p:sld xmlns:a="http://schemas.openxmlformats.org/drawingml/2006/main" xmlns:r="http://schemas.openxmlformats.org/officeDocument/2006/relationships" xmlns:p="http://schemas.openxmlformats.org/presentationml/2006/main">
   <p:cSld>
     <p:spTree>
@@ -15996,14 +16509,7 @@
                 <a:latin typeface="맑은 고딕" panose="020B0503020000020004" pitchFamily="50" charset="-127"/>
                 <a:ea typeface="맑은 고딕" panose="020B0503020000020004" pitchFamily="50" charset="-127"/>
               </a:rPr>
-              <a:t>보드 </a:t>
-            </a:r>
-            <a:r>
-              <a:rPr lang="ko-KR" altLang="en-US" dirty="0" smtClean="0">
-                <a:latin typeface="맑은 고딕" panose="020B0503020000020004" pitchFamily="50" charset="-127"/>
-                <a:ea typeface="맑은 고딕" panose="020B0503020000020004" pitchFamily="50" charset="-127"/>
-              </a:rPr>
-              <a:t>조립</a:t>
+              <a:t>보드 조립</a:t>
             </a:r>
             <a:endParaRPr lang="en-US" altLang="ko-KR" dirty="0" smtClean="0">
               <a:latin typeface="맑은 고딕" panose="020B0503020000020004" pitchFamily="50" charset="-127"/>
@@ -16237,6 +16743,197 @@
       </p:grpSpPr>
       <p:sp>
         <p:nvSpPr>
+          <p:cNvPr id="2" name="내용 개체 틀 1"/>
+          <p:cNvSpPr>
+            <a:spLocks noGrp="1"/>
+          </p:cNvSpPr>
+          <p:nvPr>
+            <p:ph idx="1"/>
+          </p:nvPr>
+        </p:nvSpPr>
+        <p:spPr/>
+        <p:txBody>
+          <a:bodyPr rtlCol="0">
+            <a:normAutofit/>
+          </a:bodyPr>
+          <a:lstStyle/>
+          <a:p>
+            <a:pPr rtl="0"/>
+            <a:endParaRPr lang="en-US" altLang="ko-KR" dirty="0" smtClean="0"/>
+          </a:p>
+          <a:p>
+            <a:pPr rtl="0"/>
+            <a:r>
+              <a:rPr lang="en-US" altLang="ko-KR" dirty="0" smtClean="0">
+                <a:latin typeface="맑은 고딕" panose="020B0503020000020004" pitchFamily="50" charset="-127"/>
+                <a:ea typeface="맑은 고딕" panose="020B0503020000020004" pitchFamily="50" charset="-127"/>
+              </a:rPr>
+              <a:t>05.12 ~ 05.20</a:t>
+            </a:r>
+          </a:p>
+          <a:p>
+            <a:pPr marL="0" indent="0" rtl="0">
+              <a:buNone/>
+            </a:pPr>
+            <a:r>
+              <a:rPr lang="en-US" altLang="ko-KR" dirty="0" smtClean="0">
+                <a:latin typeface="맑은 고딕" panose="020B0503020000020004" pitchFamily="50" charset="-127"/>
+                <a:ea typeface="맑은 고딕" panose="020B0503020000020004" pitchFamily="50" charset="-127"/>
+              </a:rPr>
+              <a:t>	</a:t>
+            </a:r>
+            <a:endParaRPr lang="ko-KR" altLang="en-US" dirty="0">
+              <a:latin typeface="맑은 고딕" panose="020B0503020000020004" pitchFamily="50" charset="-127"/>
+              <a:ea typeface="맑은 고딕" panose="020B0503020000020004" pitchFamily="50" charset="-127"/>
+            </a:endParaRPr>
+          </a:p>
+          <a:p>
+            <a:pPr rtl="0"/>
+            <a:r>
+              <a:rPr lang="en-US" altLang="ko-KR" dirty="0" smtClean="0">
+                <a:latin typeface="맑은 고딕" panose="020B0503020000020004" pitchFamily="50" charset="-127"/>
+                <a:ea typeface="맑은 고딕" panose="020B0503020000020004" pitchFamily="50" charset="-127"/>
+              </a:rPr>
+              <a:t>05.21 ~ 05.28</a:t>
+            </a:r>
+          </a:p>
+          <a:p>
+            <a:pPr rtl="0"/>
+            <a:endParaRPr lang="en-US" altLang="ko-KR" dirty="0">
+              <a:latin typeface="맑은 고딕" panose="020B0503020000020004" pitchFamily="50" charset="-127"/>
+              <a:ea typeface="맑은 고딕" panose="020B0503020000020004" pitchFamily="50" charset="-127"/>
+            </a:endParaRPr>
+          </a:p>
+          <a:p>
+            <a:pPr rtl="0"/>
+            <a:r>
+              <a:rPr lang="en-US" altLang="ko-KR" dirty="0" smtClean="0">
+                <a:latin typeface="맑은 고딕" panose="020B0503020000020004" pitchFamily="50" charset="-127"/>
+                <a:ea typeface="맑은 고딕" panose="020B0503020000020004" pitchFamily="50" charset="-127"/>
+              </a:rPr>
+              <a:t>05.29 ~ 06.03</a:t>
+            </a:r>
+            <a:endParaRPr lang="ko-KR" altLang="en-US" dirty="0">
+              <a:latin typeface="맑은 고딕" panose="020B0503020000020004" pitchFamily="50" charset="-127"/>
+              <a:ea typeface="맑은 고딕" panose="020B0503020000020004" pitchFamily="50" charset="-127"/>
+            </a:endParaRPr>
+          </a:p>
+          <a:p>
+            <a:pPr rtl="0"/>
+            <a:endParaRPr lang="ko-KR" altLang="en-US" dirty="0"/>
+          </a:p>
+        </p:txBody>
+      </p:sp>
+      <p:pic>
+        <p:nvPicPr>
+          <p:cNvPr id="4" name="그림 3"/>
+          <p:cNvPicPr>
+            <a:picLocks noChangeAspect="1"/>
+          </p:cNvPicPr>
+          <p:nvPr/>
+        </p:nvPicPr>
+        <p:blipFill>
+          <a:blip r:embed="rId3">
+            <a:extLst>
+              <a:ext uri="{28A0092B-C50C-407E-A947-70E740481C1C}">
+                <a14:useLocalDpi xmlns:a14="http://schemas.microsoft.com/office/drawing/2010/main" val="0"/>
+              </a:ext>
+            </a:extLst>
+          </a:blip>
+          <a:stretch>
+            <a:fillRect/>
+          </a:stretch>
+        </p:blipFill>
+        <p:spPr>
+          <a:xfrm>
+            <a:off x="99304" y="0"/>
+            <a:ext cx="611896" cy="581301"/>
+          </a:xfrm>
+          <a:prstGeom prst="rect">
+            <a:avLst/>
+          </a:prstGeom>
+        </p:spPr>
+      </p:pic>
+      <p:sp>
+        <p:nvSpPr>
+          <p:cNvPr id="5" name="제목 2"/>
+          <p:cNvSpPr>
+            <a:spLocks noGrp="1"/>
+          </p:cNvSpPr>
+          <p:nvPr>
+            <p:ph type="title"/>
+          </p:nvPr>
+        </p:nvSpPr>
+        <p:spPr>
+          <a:xfrm>
+            <a:off x="609600" y="704088"/>
+            <a:ext cx="10972800" cy="1143000"/>
+          </a:xfrm>
+        </p:spPr>
+        <p:txBody>
+          <a:bodyPr rtlCol="0"/>
+          <a:lstStyle/>
+          <a:p>
+            <a:pPr rtl="0"/>
+            <a:r>
+              <a:rPr lang="ko-KR" altLang="en-US" dirty="0" smtClean="0"/>
+              <a:t>진행 상황</a:t>
+            </a:r>
+            <a:endParaRPr lang="ko-KR" altLang="en-US" dirty="0"/>
+          </a:p>
+        </p:txBody>
+      </p:sp>
+    </p:spTree>
+    <p:extLst>
+      <p:ext uri="{BB962C8B-B14F-4D97-AF65-F5344CB8AC3E}">
+        <p14:creationId xmlns:p14="http://schemas.microsoft.com/office/powerpoint/2010/main" val="1508910272"/>
+      </p:ext>
+    </p:extLst>
+  </p:cSld>
+  <p:clrMapOvr>
+    <a:masterClrMapping/>
+  </p:clrMapOvr>
+  <mc:AlternateContent xmlns:mc="http://schemas.openxmlformats.org/markup-compatibility/2006" xmlns:p14="http://schemas.microsoft.com/office/powerpoint/2010/main">
+    <mc:Choice Requires="p14">
+      <p:transition spd="med" p14:dur="700">
+        <p:fade/>
+      </p:transition>
+    </mc:Choice>
+    <mc:Fallback xmlns="">
+      <p:transition spd="med">
+        <p:fade/>
+      </p:transition>
+    </mc:Fallback>
+  </mc:AlternateContent>
+  <p:timing>
+    <p:tnLst>
+      <p:par>
+        <p:cTn id="1" dur="indefinite" restart="never" nodeType="tmRoot"/>
+      </p:par>
+    </p:tnLst>
+  </p:timing>
+</p:sld>
+</file>
+
+<file path=ppt/slides/slide4.xml><?xml version="1.0" encoding="utf-8"?>
+<p:sld xmlns:a="http://schemas.openxmlformats.org/drawingml/2006/main" xmlns:r="http://schemas.openxmlformats.org/officeDocument/2006/relationships" xmlns:p="http://schemas.openxmlformats.org/presentationml/2006/main">
+  <p:cSld>
+    <p:spTree>
+      <p:nvGrpSpPr>
+        <p:cNvPr id="1" name=""/>
+        <p:cNvGrpSpPr/>
+        <p:nvPr/>
+      </p:nvGrpSpPr>
+      <p:grpSpPr>
+        <a:xfrm>
+          <a:off x="0" y="0"/>
+          <a:ext cx="0" cy="0"/>
+          <a:chOff x="0" y="0"/>
+          <a:chExt cx="0" cy="0"/>
+        </a:xfrm>
+      </p:grpSpPr>
+      <p:sp>
+        <p:nvSpPr>
           <p:cNvPr id="3" name="제목 2"/>
           <p:cNvSpPr>
             <a:spLocks noGrp="1"/>
@@ -16585,7 +17282,7 @@
 </p:sld>
 </file>
 
-<file path=ppt/slides/slide4.xml><?xml version="1.0" encoding="utf-8"?>
+<file path=ppt/slides/slide5.xml><?xml version="1.0" encoding="utf-8"?>
 <p:sld xmlns:a="http://schemas.openxmlformats.org/drawingml/2006/main" xmlns:r="http://schemas.openxmlformats.org/officeDocument/2006/relationships" xmlns:p="http://schemas.openxmlformats.org/presentationml/2006/main">
   <p:cSld>
     <p:spTree>
@@ -17291,7 +17988,7 @@
 </p:sld>
 </file>
 
-<file path=ppt/slides/slide5.xml><?xml version="1.0" encoding="utf-8"?>
+<file path=ppt/slides/slide6.xml><?xml version="1.0" encoding="utf-8"?>
 <p:sld xmlns:a="http://schemas.openxmlformats.org/drawingml/2006/main" xmlns:r="http://schemas.openxmlformats.org/officeDocument/2006/relationships" xmlns:p="http://schemas.openxmlformats.org/presentationml/2006/main">
   <p:cSld>
     <p:spTree>
@@ -17873,7 +18570,7 @@
 </p:sld>
 </file>
 
-<file path=ppt/slides/slide6.xml><?xml version="1.0" encoding="utf-8"?>
+<file path=ppt/slides/slide7.xml><?xml version="1.0" encoding="utf-8"?>
 <p:sld xmlns:a="http://schemas.openxmlformats.org/drawingml/2006/main" xmlns:r="http://schemas.openxmlformats.org/officeDocument/2006/relationships" xmlns:p="http://schemas.openxmlformats.org/presentationml/2006/main">
   <p:cSld>
     <p:spTree>
@@ -18535,7 +19232,7 @@
 </p:sld>
 </file>
 
-<file path=ppt/slides/slide7.xml><?xml version="1.0" encoding="utf-8"?>
+<file path=ppt/slides/slide8.xml><?xml version="1.0" encoding="utf-8"?>
 <p:sld xmlns:a="http://schemas.openxmlformats.org/drawingml/2006/main" xmlns:r="http://schemas.openxmlformats.org/officeDocument/2006/relationships" xmlns:p="http://schemas.openxmlformats.org/presentationml/2006/main">
   <p:cSld>
     <p:spTree>
@@ -19407,7 +20104,7 @@
 </p:sld>
 </file>
 
-<file path=ppt/slides/slide8.xml><?xml version="1.0" encoding="utf-8"?>
+<file path=ppt/slides/slide9.xml><?xml version="1.0" encoding="utf-8"?>
 <p:sld xmlns:a="http://schemas.openxmlformats.org/drawingml/2006/main" xmlns:r="http://schemas.openxmlformats.org/officeDocument/2006/relationships" xmlns:p="http://schemas.openxmlformats.org/presentationml/2006/main">
   <p:cSld>
     <p:spTree>
@@ -19845,300 +20542,6 @@
     <p:extLst>
       <p:ext uri="{BB962C8B-B14F-4D97-AF65-F5344CB8AC3E}">
         <p14:creationId xmlns:p14="http://schemas.microsoft.com/office/powerpoint/2010/main" val="115085417"/>
-      </p:ext>
-    </p:extLst>
-  </p:cSld>
-  <p:clrMapOvr>
-    <a:masterClrMapping/>
-  </p:clrMapOvr>
-  <mc:AlternateContent xmlns:mc="http://schemas.openxmlformats.org/markup-compatibility/2006" xmlns:p14="http://schemas.microsoft.com/office/powerpoint/2010/main">
-    <mc:Choice Requires="p14">
-      <p:transition spd="med" p14:dur="700">
-        <p:fade/>
-      </p:transition>
-    </mc:Choice>
-    <mc:Fallback xmlns="">
-      <p:transition spd="med">
-        <p:fade/>
-      </p:transition>
-    </mc:Fallback>
-  </mc:AlternateContent>
-  <p:timing>
-    <p:tnLst>
-      <p:par>
-        <p:cTn id="1" dur="indefinite" restart="never" nodeType="tmRoot"/>
-      </p:par>
-    </p:tnLst>
-  </p:timing>
-</p:sld>
-</file>
-
-<file path=ppt/slides/slide9.xml><?xml version="1.0" encoding="utf-8"?>
-<p:sld xmlns:a="http://schemas.openxmlformats.org/drawingml/2006/main" xmlns:r="http://schemas.openxmlformats.org/officeDocument/2006/relationships" xmlns:p="http://schemas.openxmlformats.org/presentationml/2006/main">
-  <p:cSld>
-    <p:spTree>
-      <p:nvGrpSpPr>
-        <p:cNvPr id="1" name=""/>
-        <p:cNvGrpSpPr/>
-        <p:nvPr/>
-      </p:nvGrpSpPr>
-      <p:grpSpPr>
-        <a:xfrm>
-          <a:off x="0" y="0"/>
-          <a:ext cx="0" cy="0"/>
-          <a:chOff x="0" y="0"/>
-          <a:chExt cx="0" cy="0"/>
-        </a:xfrm>
-      </p:grpSpPr>
-      <p:sp>
-        <p:nvSpPr>
-          <p:cNvPr id="3" name="제목 2"/>
-          <p:cNvSpPr>
-            <a:spLocks noGrp="1"/>
-          </p:cNvSpPr>
-          <p:nvPr>
-            <p:ph type="title"/>
-          </p:nvPr>
-        </p:nvSpPr>
-        <p:spPr>
-          <a:xfrm>
-            <a:off x="711200" y="1129523"/>
-            <a:ext cx="10972800" cy="741911"/>
-          </a:xfrm>
-        </p:spPr>
-        <p:txBody>
-          <a:bodyPr rtlCol="0">
-            <a:normAutofit/>
-          </a:bodyPr>
-          <a:lstStyle/>
-          <a:p>
-            <a:pPr marL="457200" indent="-457200" rtl="0">
-              <a:buFont typeface="Wingdings" panose="05000000000000000000" pitchFamily="2" charset="2"/>
-              <a:buChar char="Ø"/>
-            </a:pPr>
-            <a:r>
-              <a:rPr lang="en-US" altLang="ko-KR" sz="2800" dirty="0" smtClean="0">
-                <a:solidFill>
-                  <a:schemeClr val="tx1"/>
-                </a:solidFill>
-              </a:rPr>
-              <a:t>FMU3_Power </a:t>
-            </a:r>
-            <a:r>
-              <a:rPr lang="ko-KR" altLang="en-US" sz="2800" dirty="0" smtClean="0">
-                <a:solidFill>
-                  <a:schemeClr val="tx1"/>
-                </a:solidFill>
-              </a:rPr>
-              <a:t>보드 수정</a:t>
-            </a:r>
-            <a:endParaRPr lang="ko-KR" altLang="en-US" sz="2800" dirty="0">
-              <a:solidFill>
-                <a:schemeClr val="tx1"/>
-              </a:solidFill>
-            </a:endParaRPr>
-          </a:p>
-        </p:txBody>
-      </p:sp>
-      <p:pic>
-        <p:nvPicPr>
-          <p:cNvPr id="4" name="그림 3"/>
-          <p:cNvPicPr>
-            <a:picLocks noChangeAspect="1"/>
-          </p:cNvPicPr>
-          <p:nvPr/>
-        </p:nvPicPr>
-        <p:blipFill>
-          <a:blip r:embed="rId3">
-            <a:extLst>
-              <a:ext uri="{28A0092B-C50C-407E-A947-70E740481C1C}">
-                <a14:useLocalDpi xmlns:a14="http://schemas.microsoft.com/office/drawing/2010/main" val="0"/>
-              </a:ext>
-            </a:extLst>
-          </a:blip>
-          <a:stretch>
-            <a:fillRect/>
-          </a:stretch>
-        </p:blipFill>
-        <p:spPr>
-          <a:xfrm>
-            <a:off x="99304" y="0"/>
-            <a:ext cx="611896" cy="581301"/>
-          </a:xfrm>
-          <a:prstGeom prst="rect">
-            <a:avLst/>
-          </a:prstGeom>
-        </p:spPr>
-      </p:pic>
-      <p:pic>
-        <p:nvPicPr>
-          <p:cNvPr id="18434" name="Picture 2" descr="https://lh5.googleusercontent.com/gX1FV8Q_-d9fYBNP_SjgDgPIAKokGqrURF0A6b36ZNfmlSzmOZoeC8rTpJfvghFlvTG3OVwhbu_EUL0x2h2SmhPEOboVui6-YzlbH1ArtGAUBjqs4dWkNzyNQdf17RYqr_j6FBhP"/>
-          <p:cNvPicPr>
-            <a:picLocks noChangeAspect="1" noChangeArrowheads="1"/>
-          </p:cNvPicPr>
-          <p:nvPr/>
-        </p:nvPicPr>
-        <p:blipFill>
-          <a:blip r:embed="rId4" cstate="print">
-            <a:extLst>
-              <a:ext uri="{28A0092B-C50C-407E-A947-70E740481C1C}">
-                <a14:useLocalDpi xmlns:a14="http://schemas.microsoft.com/office/drawing/2010/main" val="0"/>
-              </a:ext>
-            </a:extLst>
-          </a:blip>
-          <a:srcRect/>
-          <a:stretch>
-            <a:fillRect/>
-          </a:stretch>
-        </p:blipFill>
-        <p:spPr bwMode="auto">
-          <a:xfrm>
-            <a:off x="255373" y="2066925"/>
-            <a:ext cx="5642919" cy="2028725"/>
-          </a:xfrm>
-          <a:prstGeom prst="rect">
-            <a:avLst/>
-          </a:prstGeom>
-          <a:noFill/>
-          <a:extLst>
-            <a:ext uri="{909E8E84-426E-40DD-AFC4-6F175D3DCCD1}">
-              <a14:hiddenFill xmlns:a14="http://schemas.microsoft.com/office/drawing/2010/main">
-                <a:solidFill>
-                  <a:srgbClr val="FFFFFF"/>
-                </a:solidFill>
-              </a14:hiddenFill>
-            </a:ext>
-          </a:extLst>
-        </p:spPr>
-      </p:pic>
-      <p:pic>
-        <p:nvPicPr>
-          <p:cNvPr id="18436" name="Picture 4" descr="https://lh3.googleusercontent.com/lX0rRYyqAR9evhIKDjFkxeNdUmAatnu1ubicwiCb0enuafAPPDze3Yvygav5NrF0qFtYV0B-ibH9o1Ydxw52FlR-n6XRzEYIfVB5QPp02W3qDy05AC_1YKQU_b5sfZCDGt2o2SWk"/>
-          <p:cNvPicPr>
-            <a:picLocks noChangeAspect="1" noChangeArrowheads="1"/>
-          </p:cNvPicPr>
-          <p:nvPr/>
-        </p:nvPicPr>
-        <p:blipFill>
-          <a:blip r:embed="rId5" cstate="print">
-            <a:extLst>
-              <a:ext uri="{28A0092B-C50C-407E-A947-70E740481C1C}">
-                <a14:useLocalDpi xmlns:a14="http://schemas.microsoft.com/office/drawing/2010/main" val="0"/>
-              </a:ext>
-            </a:extLst>
-          </a:blip>
-          <a:srcRect/>
-          <a:stretch>
-            <a:fillRect/>
-          </a:stretch>
-        </p:blipFill>
-        <p:spPr bwMode="auto">
-          <a:xfrm>
-            <a:off x="1034192" y="4291141"/>
-            <a:ext cx="3325129" cy="2028725"/>
-          </a:xfrm>
-          <a:prstGeom prst="rect">
-            <a:avLst/>
-          </a:prstGeom>
-          <a:noFill/>
-          <a:extLst>
-            <a:ext uri="{909E8E84-426E-40DD-AFC4-6F175D3DCCD1}">
-              <a14:hiddenFill xmlns:a14="http://schemas.microsoft.com/office/drawing/2010/main">
-                <a:solidFill>
-                  <a:srgbClr val="FFFFFF"/>
-                </a:solidFill>
-              </a14:hiddenFill>
-            </a:ext>
-          </a:extLst>
-        </p:spPr>
-      </p:pic>
-      <p:sp>
-        <p:nvSpPr>
-          <p:cNvPr id="2" name="TextBox 1"/>
-          <p:cNvSpPr txBox="1"/>
-          <p:nvPr/>
-        </p:nvSpPr>
-        <p:spPr>
-          <a:xfrm>
-            <a:off x="6726967" y="3090812"/>
-            <a:ext cx="4410075" cy="1200329"/>
-          </a:xfrm>
-          <a:prstGeom prst="rect">
-            <a:avLst/>
-          </a:prstGeom>
-          <a:noFill/>
-          <a:ln>
-            <a:solidFill>
-              <a:schemeClr val="bg2"/>
-            </a:solidFill>
-          </a:ln>
-        </p:spPr>
-        <p:txBody>
-          <a:bodyPr wrap="square" rtlCol="0">
-            <a:spAutoFit/>
-          </a:bodyPr>
-          <a:lstStyle/>
-          <a:p>
-            <a:r>
-              <a:rPr lang="en-US" altLang="ko-KR" dirty="0" smtClean="0"/>
-              <a:t>&lt;</a:t>
-            </a:r>
-            <a:r>
-              <a:rPr lang="ko-KR" altLang="en-US" dirty="0" smtClean="0"/>
-              <a:t>수정사항 </a:t>
-            </a:r>
-            <a:r>
-              <a:rPr lang="en-US" altLang="ko-KR" dirty="0" smtClean="0"/>
-              <a:t>&gt;</a:t>
-            </a:r>
-          </a:p>
-          <a:p>
-            <a:pPr marL="285750" indent="-285750">
-              <a:buFont typeface="Arial" panose="020B0604020202020204" pitchFamily="34" charset="0"/>
-              <a:buChar char="•"/>
-            </a:pPr>
-            <a:r>
-              <a:rPr lang="en-US" altLang="ko-KR" dirty="0" smtClean="0"/>
-              <a:t>GND </a:t>
-            </a:r>
-            <a:r>
-              <a:rPr lang="ko-KR" altLang="en-US" dirty="0" smtClean="0"/>
-              <a:t>출력 추가</a:t>
-            </a:r>
-            <a:endParaRPr lang="en-US" altLang="ko-KR" dirty="0" smtClean="0"/>
-          </a:p>
-          <a:p>
-            <a:pPr marL="285750" indent="-285750">
-              <a:buFont typeface="Arial" panose="020B0604020202020204" pitchFamily="34" charset="0"/>
-              <a:buChar char="•"/>
-            </a:pPr>
-            <a:r>
-              <a:rPr lang="ko-KR" altLang="en-US" dirty="0" err="1" smtClean="0"/>
-              <a:t>방열판</a:t>
-            </a:r>
-            <a:r>
-              <a:rPr lang="ko-KR" altLang="en-US" dirty="0" smtClean="0"/>
-              <a:t> 회로 추가 </a:t>
-            </a:r>
-            <a:endParaRPr lang="en-US" altLang="ko-KR" dirty="0" smtClean="0"/>
-          </a:p>
-          <a:p>
-            <a:pPr marL="285750" indent="-285750">
-              <a:buFont typeface="Arial" panose="020B0604020202020204" pitchFamily="34" charset="0"/>
-              <a:buChar char="•"/>
-            </a:pPr>
-            <a:r>
-              <a:rPr lang="ko-KR" altLang="en-US" dirty="0" smtClean="0"/>
-              <a:t>입출력 포트 정렬</a:t>
-            </a:r>
-            <a:endParaRPr lang="en-US" altLang="ko-KR" dirty="0" smtClean="0"/>
-          </a:p>
-        </p:txBody>
-      </p:sp>
-    </p:spTree>
-    <p:extLst>
-      <p:ext uri="{BB962C8B-B14F-4D97-AF65-F5344CB8AC3E}">
-        <p14:creationId xmlns:p14="http://schemas.microsoft.com/office/powerpoint/2010/main" val="46727910"/>
       </p:ext>
     </p:extLst>
   </p:cSld>

--- a/DroneMap 교육 중간보고서.pptx
+++ b/DroneMap 교육 중간보고서.pptx
@@ -9721,7 +9721,7 @@
           <a:graphicData uri="http://schemas.openxmlformats.org/presentationml/2006/ole">
             <mc:AlternateContent xmlns:mc="http://schemas.openxmlformats.org/markup-compatibility/2006">
               <mc:Choice xmlns:v="urn:schemas-microsoft-com:vml" Requires="v">
-                <p:oleObj spid="_x0000_s17431" name="포장기 셸 개체" showAsIcon="1" r:id="rId7" imgW="1887120" imgH="550800" progId="Package">
+                <p:oleObj spid="_x0000_s17434" name="포장기 셸 개체" showAsIcon="1" r:id="rId7" imgW="1887120" imgH="550800" progId="Package">
                   <p:embed/>
                 </p:oleObj>
               </mc:Choice>
@@ -12525,10 +12525,6 @@
               </a:rPr>
               <a:t>	</a:t>
             </a:r>
-            <a:endParaRPr lang="en-US" altLang="ko-KR" dirty="0" smtClean="0">
-              <a:latin typeface="+mn-ea"/>
-              <a:ea typeface="+mn-ea"/>
-            </a:endParaRPr>
           </a:p>
           <a:p>
             <a:pPr marL="0" indent="0">
@@ -13997,8 +13993,8 @@
         </p:blipFill>
         <p:spPr bwMode="auto">
           <a:xfrm>
-            <a:off x="392193" y="2570206"/>
-            <a:ext cx="5039409" cy="2759676"/>
+            <a:off x="411243" y="1976163"/>
+            <a:ext cx="3996363" cy="2188484"/>
           </a:xfrm>
           <a:prstGeom prst="rect">
             <a:avLst/>
@@ -14346,6 +14342,47 @@
           </a:p>
         </p:txBody>
       </p:sp>
+      <p:pic>
+        <p:nvPicPr>
+          <p:cNvPr id="18434" name="Picture 2" descr="https://lh6.googleusercontent.com/p6wfh6qVCLxsLGs1Jmj7HYXGBDd5AHGin7gzRIW9S98vM-mCvyustDjX0KWn74iXPSvpiIN853-MDTgac6Y0A-4ha5AwLlRYspXxTwEzoVGklSOMjqHYr8eKqQxAs6nLtQMZ9V-U"/>
+          <p:cNvPicPr>
+            <a:picLocks noChangeAspect="1" noChangeArrowheads="1"/>
+          </p:cNvPicPr>
+          <p:nvPr/>
+        </p:nvPicPr>
+        <p:blipFill>
+          <a:blip r:embed="rId5" cstate="print">
+            <a:extLst>
+              <a:ext uri="{28A0092B-C50C-407E-A947-70E740481C1C}">
+                <a14:useLocalDpi xmlns:a14="http://schemas.microsoft.com/office/drawing/2010/main" val="0"/>
+              </a:ext>
+            </a:extLst>
+          </a:blip>
+          <a:srcRect/>
+          <a:stretch>
+            <a:fillRect/>
+          </a:stretch>
+        </p:blipFill>
+        <p:spPr bwMode="auto">
+          <a:xfrm>
+            <a:off x="405252" y="4164647"/>
+            <a:ext cx="2529205" cy="2050253"/>
+          </a:xfrm>
+          <a:prstGeom prst="rect">
+            <a:avLst/>
+          </a:prstGeom>
+          <a:noFill/>
+          <a:extLst>
+            <a:ext uri="{909E8E84-426E-40DD-AFC4-6F175D3DCCD1}">
+              <a14:hiddenFill xmlns:a14="http://schemas.microsoft.com/office/drawing/2010/main">
+                <a:solidFill>
+                  <a:srgbClr val="FFFFFF"/>
+                </a:solidFill>
+              </a14:hiddenFill>
+            </a:ext>
+          </a:extLst>
+        </p:spPr>
+      </p:pic>
     </p:spTree>
     <p:extLst>
       <p:ext uri="{BB962C8B-B14F-4D97-AF65-F5344CB8AC3E}">
@@ -15346,6 +15383,18 @@
               <a:t>IST8310 </a:t>
             </a:r>
             <a:r>
+              <a:rPr lang="ko-KR" altLang="en-US" sz="1600" dirty="0" err="1" smtClean="0">
+                <a:latin typeface="+mn-ea"/>
+              </a:rPr>
+              <a:t>자력계</a:t>
+            </a:r>
+            <a:r>
+              <a:rPr lang="en-US" altLang="ko-KR" sz="1600" dirty="0" smtClean="0">
+                <a:latin typeface="+mn-ea"/>
+              </a:rPr>
+              <a:t> </a:t>
+            </a:r>
+            <a:r>
               <a:rPr lang="ko-KR" altLang="en-US" sz="1600" dirty="0" smtClean="0">
                 <a:latin typeface="+mn-ea"/>
               </a:rPr>
@@ -15383,15 +15432,11 @@
             </a:r>
             <a:r>
               <a:rPr lang="ko-KR" altLang="en-US" sz="1600" dirty="0" smtClean="0"/>
-              <a:t>텍스트를 더 </a:t>
-            </a:r>
-            <a:r>
-              <a:rPr lang="ko-KR" altLang="en-US" sz="1600" dirty="0" err="1" smtClean="0"/>
-              <a:t>보기좋게</a:t>
+              <a:t>텍스트를 보기 편하게 </a:t>
             </a:r>
             <a:r>
               <a:rPr lang="ko-KR" altLang="en-US" sz="1600" dirty="0" smtClean="0"/>
-              <a:t> 수정</a:t>
+              <a:t>수정</a:t>
             </a:r>
             <a:endParaRPr lang="en-US" altLang="ko-KR" sz="1600" dirty="0" smtClean="0">
               <a:latin typeface="+mn-ea"/>
@@ -16239,8 +16284,8 @@
         </p:blipFill>
         <p:spPr>
           <a:xfrm>
-            <a:off x="733425" y="2705100"/>
-            <a:ext cx="4091377" cy="3068534"/>
+            <a:off x="748665" y="2327910"/>
+            <a:ext cx="3331845" cy="2498885"/>
           </a:xfrm>
           <a:prstGeom prst="rect">
             <a:avLst/>
@@ -16256,7 +16301,7 @@
         <p:spPr>
           <a:xfrm>
             <a:off x="5838825" y="2705100"/>
-            <a:ext cx="4631467" cy="1815882"/>
+            <a:ext cx="4631467" cy="1077218"/>
           </a:xfrm>
           <a:prstGeom prst="rect">
             <a:avLst/>
@@ -16314,21 +16359,11 @@
             </a:r>
             <a:r>
               <a:rPr lang="ko-KR" altLang="en-US" sz="1600" dirty="0" smtClean="0"/>
-              <a:t>의 작은 사이즈로 제작되어 유동적으로 사용가능</a:t>
-            </a:r>
-            <a:endParaRPr lang="en-US" altLang="ko-KR" sz="1600" dirty="0" smtClean="0"/>
-          </a:p>
-          <a:p>
-            <a:endParaRPr lang="en-US" altLang="ko-KR" sz="1600" dirty="0" smtClean="0"/>
-          </a:p>
-          <a:p>
-            <a:pPr marL="285750" indent="-285750">
-              <a:buFont typeface="Arial" panose="020B0604020202020204" pitchFamily="34" charset="0"/>
-              <a:buChar char="•"/>
-            </a:pPr>
+              <a:t>의 작은 사이즈로 제작되어 유동적으로 </a:t>
+            </a:r>
             <a:r>
               <a:rPr lang="ko-KR" altLang="en-US" sz="1600" dirty="0" smtClean="0"/>
-              <a:t>테스트 보드 제작 시 사이즈가 큰 부품을 사용하여 조립의 스트레스를 줄일 필요가 있음 </a:t>
+              <a:t>사용가능</a:t>
             </a:r>
             <a:endParaRPr lang="en-US" altLang="ko-KR" sz="1600" dirty="0" smtClean="0"/>
           </a:p>
@@ -16636,11 +16671,18 @@
               <a:buChar char="•"/>
             </a:pPr>
             <a:r>
+              <a:rPr lang="ko-KR" altLang="en-US" dirty="0" smtClean="0">
+                <a:latin typeface="맑은 고딕" panose="020B0503020000020004" pitchFamily="50" charset="-127"/>
+                <a:ea typeface="맑은 고딕" panose="020B0503020000020004" pitchFamily="50" charset="-127"/>
+              </a:rPr>
+              <a:t>옴니버스</a:t>
+            </a:r>
+            <a:r>
               <a:rPr lang="en-US" altLang="ko-KR" dirty="0" smtClean="0">
                 <a:latin typeface="맑은 고딕" panose="020B0503020000020004" pitchFamily="50" charset="-127"/>
                 <a:ea typeface="맑은 고딕" panose="020B0503020000020004" pitchFamily="50" charset="-127"/>
               </a:rPr>
-              <a:t>FC </a:t>
+              <a:t>F4 FC </a:t>
             </a:r>
             <a:r>
               <a:rPr lang="ko-KR" altLang="en-US" dirty="0" smtClean="0">
